--- a/docs/Winter/TechTalkPresentation2.pptx
+++ b/docs/Winter/TechTalkPresentation2.pptx
@@ -7,6 +7,8 @@
   <p:sldIdLst>
     <p:sldId id="257" r:id="rId5"/>
     <p:sldId id="261" r:id="rId6"/>
+    <p:sldId id="262" r:id="rId7"/>
+    <p:sldId id="263" r:id="rId8"/>
   </p:sldIdLst>
   <p:sldSz cx="12192000" cy="6858000"/>
   <p:notesSz cx="6858000" cy="9144000"/>
@@ -582,7 +584,7 @@
           <a:p>
             <a:fld id="{EA0C0817-A112-4847-8014-A94B7D2A4EA3}" type="datetime1">
               <a:rPr lang="en-US" smtClean="0"/>
-              <a:t>2/15/2021</a:t>
+              <a:t>2/16/2021</a:t>
             </a:fld>
             <a:endParaRPr lang="en-US" dirty="0"/>
           </a:p>
@@ -784,7 +786,7 @@
           <a:p>
             <a:fld id="{7332B432-ACDA-4023-A761-2BAB76577B62}" type="datetime1">
               <a:rPr lang="en-US" smtClean="0"/>
-              <a:t>2/15/2021</a:t>
+              <a:t>2/16/2021</a:t>
             </a:fld>
             <a:endParaRPr lang="en-US" dirty="0"/>
           </a:p>
@@ -1383,7 +1385,7 @@
           <a:p>
             <a:fld id="{D9C646AA-F36E-4540-911D-FFFC0A0EF24A}" type="datetime1">
               <a:rPr lang="en-US" smtClean="0"/>
-              <a:t>2/15/2021</a:t>
+              <a:t>2/16/2021</a:t>
             </a:fld>
             <a:endParaRPr lang="en-US" dirty="0"/>
           </a:p>
@@ -1703,7 +1705,7 @@
           <a:p>
             <a:fld id="{69186D26-FA5F-4637-B602-B7C2DC34CFD4}" type="datetime1">
               <a:rPr lang="en-US" smtClean="0"/>
-              <a:t>2/15/2021</a:t>
+              <a:t>2/16/2021</a:t>
             </a:fld>
             <a:endParaRPr lang="en-US" dirty="0"/>
           </a:p>
@@ -2140,7 +2142,7 @@
           <a:p>
             <a:fld id="{8A7F15D8-96D1-4781-BC50-CA8A088B2FE4}" type="datetime1">
               <a:rPr lang="en-US" smtClean="0"/>
-              <a:t>2/15/2021</a:t>
+              <a:t>2/16/2021</a:t>
             </a:fld>
             <a:endParaRPr lang="en-US" dirty="0"/>
           </a:p>
@@ -2258,7 +2260,7 @@
           <a:p>
             <a:fld id="{F9A96C99-B8F8-4528-BD05-0E16E943DC09}" type="datetime1">
               <a:rPr lang="en-US" smtClean="0"/>
-              <a:t>2/15/2021</a:t>
+              <a:t>2/16/2021</a:t>
             </a:fld>
             <a:endParaRPr lang="en-US" dirty="0"/>
           </a:p>
@@ -2353,7 +2355,7 @@
           <a:p>
             <a:fld id="{03636942-C211-4B28-8DBD-C953E00AF71B}" type="datetime1">
               <a:rPr lang="en-US" smtClean="0"/>
-              <a:t>2/15/2021</a:t>
+              <a:t>2/16/2021</a:t>
             </a:fld>
             <a:endParaRPr lang="en-US" dirty="0"/>
           </a:p>
@@ -2770,7 +2772,7 @@
           <a:p>
             <a:fld id="{7E8D12A6-918A-48BD-8CB9-CA713993B0EA}" type="datetime1">
               <a:rPr lang="en-US" smtClean="0"/>
-              <a:t>2/15/2021</a:t>
+              <a:t>2/16/2021</a:t>
             </a:fld>
             <a:endParaRPr lang="en-US" dirty="0"/>
           </a:p>
@@ -3032,7 +3034,7 @@
             <a:fld id="{E778CE86-875F-4587-BCF6-FA054AFC0D53}" type="datetime1">
               <a:rPr lang="en-US" smtClean="0"/>
               <a:pPr/>
-              <a:t>2/15/2021</a:t>
+              <a:t>2/16/2021</a:t>
             </a:fld>
             <a:endParaRPr lang="en-US" dirty="0"/>
           </a:p>
@@ -3548,7 +3550,7 @@
           <a:p>
             <a:fld id="{F6FA2B21-3FCD-4721-B95C-427943F61125}" type="datetime1">
               <a:rPr lang="en-US" smtClean="0"/>
-              <a:t>2/15/2021</a:t>
+              <a:t>2/16/2021</a:t>
             </a:fld>
             <a:endParaRPr lang="en-US" dirty="0"/>
           </a:p>
@@ -4225,15 +4227,15 @@
                   <a:schemeClr val="tx1"/>
                 </a:solidFill>
               </a:rPr>
-              <a:t>Presented by: Christina Nguyen, Michael Bloomquist, Sarah </a:t>
-            </a:r>
-            <a:r>
-              <a:rPr lang="en-US" dirty="0" err="1">
+              <a:t>Presented by: Christina Nguyen, Michael Bloomquist, </a:t>
+            </a:r>
+            <a:r>
+              <a:rPr lang="en-US">
                 <a:solidFill>
                   <a:schemeClr val="tx1"/>
                 </a:solidFill>
               </a:rPr>
-              <a:t>Ramanazi</a:t>
+              <a:t>Sarah Ramazani, </a:t>
             </a:r>
             <a:r>
               <a:rPr lang="en-US" dirty="0">
@@ -4241,7 +4243,7 @@
                   <a:schemeClr val="tx1"/>
                 </a:solidFill>
               </a:rPr>
-              <a:t>, Travis Lamb</a:t>
+              <a:t>Travis Lamb</a:t>
             </a:r>
           </a:p>
         </p:txBody>
@@ -4307,7 +4309,7 @@
           <a:p>
             <a:r>
               <a:rPr lang="en-US" dirty="0"/>
-              <a:t>Stuff</a:t>
+              <a:t>What is Amplify?</a:t>
             </a:r>
           </a:p>
         </p:txBody>
@@ -4328,15 +4330,139 @@
             <p:ph idx="1"/>
           </p:nvPr>
         </p:nvSpPr>
-        <p:spPr/>
+        <p:spPr>
+          <a:xfrm>
+            <a:off x="1066801" y="2103120"/>
+            <a:ext cx="4235042" cy="3849624"/>
+          </a:xfrm>
+        </p:spPr>
         <p:txBody>
-          <a:bodyPr/>
+          <a:bodyPr>
+            <a:normAutofit/>
+          </a:bodyPr>
           <a:lstStyle/>
           <a:p>
-            <a:endParaRPr lang="en-US" dirty="0"/>
+            <a:r>
+              <a:rPr lang="en-US" sz="1800" dirty="0"/>
+              <a:t>An open-source toolset designed to ease the process of setting up AWS backends</a:t>
+            </a:r>
+          </a:p>
+          <a:p>
+            <a:r>
+              <a:rPr lang="en-US" sz="1800" dirty="0"/>
+              <a:t>Provides the user with a CLI which is used for provisioning backend services</a:t>
+            </a:r>
+          </a:p>
+          <a:p>
+            <a:r>
+              <a:rPr lang="en-US" sz="1800" dirty="0"/>
+              <a:t>Pre-built UI components allow quick implementation of common systems</a:t>
+            </a:r>
+          </a:p>
+          <a:p>
+            <a:endParaRPr lang="en-US" sz="1800" dirty="0"/>
+          </a:p>
+          <a:p>
+            <a:endParaRPr lang="en-US" sz="1800" dirty="0"/>
           </a:p>
         </p:txBody>
       </p:sp>
+      <p:pic>
+        <p:nvPicPr>
+          <p:cNvPr id="6" name="Picture 5" descr="Icon&#10;&#10;Description automatically generated">
+            <a:extLst>
+              <a:ext uri="{FF2B5EF4-FFF2-40B4-BE49-F238E27FC236}">
+                <a16:creationId xmlns:a16="http://schemas.microsoft.com/office/drawing/2014/main" id="{69D3B077-3BBE-49BB-930C-1D5D938F578F}"/>
+              </a:ext>
+            </a:extLst>
+          </p:cNvPr>
+          <p:cNvPicPr>
+            <a:picLocks noChangeAspect="1"/>
+          </p:cNvPicPr>
+          <p:nvPr/>
+        </p:nvPicPr>
+        <p:blipFill>
+          <a:blip r:embed="rId2">
+            <a:extLst>
+              <a:ext uri="{837473B0-CC2E-450A-ABE3-18F120FF3D39}">
+                <a1611:picAttrSrcUrl xmlns:a1611="http://schemas.microsoft.com/office/drawing/2016/11/main" r:id="rId3"/>
+              </a:ext>
+            </a:extLst>
+          </a:blip>
+          <a:stretch>
+            <a:fillRect/>
+          </a:stretch>
+        </p:blipFill>
+        <p:spPr>
+          <a:xfrm>
+            <a:off x="5143500" y="301249"/>
+            <a:ext cx="1905000" cy="1905000"/>
+          </a:xfrm>
+          <a:prstGeom prst="rect">
+            <a:avLst/>
+          </a:prstGeom>
+        </p:spPr>
+      </p:pic>
+      <p:pic>
+        <p:nvPicPr>
+          <p:cNvPr id="13" name="Picture 12">
+            <a:extLst>
+              <a:ext uri="{FF2B5EF4-FFF2-40B4-BE49-F238E27FC236}">
+                <a16:creationId xmlns:a16="http://schemas.microsoft.com/office/drawing/2014/main" id="{B11BB065-325E-4E20-9671-BE5F71E3900D}"/>
+              </a:ext>
+            </a:extLst>
+          </p:cNvPr>
+          <p:cNvPicPr>
+            <a:picLocks noChangeAspect="1"/>
+          </p:cNvPicPr>
+          <p:nvPr/>
+        </p:nvPicPr>
+        <p:blipFill>
+          <a:blip r:embed="rId4"/>
+          <a:stretch>
+            <a:fillRect/>
+          </a:stretch>
+        </p:blipFill>
+        <p:spPr>
+          <a:xfrm>
+            <a:off x="5474777" y="2014194"/>
+            <a:ext cx="5961319" cy="3315015"/>
+          </a:xfrm>
+          <a:prstGeom prst="rect">
+            <a:avLst/>
+          </a:prstGeom>
+        </p:spPr>
+      </p:pic>
+      <p:pic>
+        <p:nvPicPr>
+          <p:cNvPr id="15" name="Picture 14">
+            <a:extLst>
+              <a:ext uri="{FF2B5EF4-FFF2-40B4-BE49-F238E27FC236}">
+                <a16:creationId xmlns:a16="http://schemas.microsoft.com/office/drawing/2014/main" id="{5E045509-3F53-4F49-B745-8278F6D57688}"/>
+              </a:ext>
+            </a:extLst>
+          </p:cNvPr>
+          <p:cNvPicPr>
+            <a:picLocks noChangeAspect="1"/>
+          </p:cNvPicPr>
+          <p:nvPr/>
+        </p:nvPicPr>
+        <p:blipFill>
+          <a:blip r:embed="rId5"/>
+          <a:stretch>
+            <a:fillRect/>
+          </a:stretch>
+        </p:blipFill>
+        <p:spPr>
+          <a:xfrm>
+            <a:off x="6378833" y="1948548"/>
+            <a:ext cx="4153206" cy="3830417"/>
+          </a:xfrm>
+          <a:prstGeom prst="rect">
+            <a:avLst/>
+          </a:prstGeom>
+        </p:spPr>
+      </p:pic>
     </p:spTree>
     <p:extLst>
       <p:ext uri="{BB962C8B-B14F-4D97-AF65-F5344CB8AC3E}">
@@ -4347,6 +4473,2616 @@
   <p:clrMapOvr>
     <a:masterClrMapping/>
   </p:clrMapOvr>
+  <p:timing>
+    <p:tnLst>
+      <p:par>
+        <p:cTn id="1" dur="indefinite" restart="never" nodeType="tmRoot">
+          <p:childTnLst>
+            <p:seq concurrent="1" nextAc="seek">
+              <p:cTn id="2" dur="indefinite" nodeType="mainSeq">
+                <p:childTnLst>
+                  <p:par>
+                    <p:cTn id="3" fill="hold">
+                      <p:stCondLst>
+                        <p:cond delay="indefinite"/>
+                      </p:stCondLst>
+                      <p:childTnLst>
+                        <p:par>
+                          <p:cTn id="4" fill="hold">
+                            <p:stCondLst>
+                              <p:cond delay="0"/>
+                            </p:stCondLst>
+                            <p:childTnLst>
+                              <p:par>
+                                <p:cTn id="5" presetID="1" presetClass="entr" presetSubtype="0" fill="hold" nodeType="clickEffect">
+                                  <p:stCondLst>
+                                    <p:cond delay="0"/>
+                                  </p:stCondLst>
+                                  <p:childTnLst>
+                                    <p:set>
+                                      <p:cBhvr>
+                                        <p:cTn id="6" dur="1" fill="hold">
+                                          <p:stCondLst>
+                                            <p:cond delay="0"/>
+                                          </p:stCondLst>
+                                        </p:cTn>
+                                        <p:tgtEl>
+                                          <p:spTgt spid="9">
+                                            <p:txEl>
+                                              <p:pRg st="0" end="0"/>
+                                            </p:txEl>
+                                          </p:spTgt>
+                                        </p:tgtEl>
+                                        <p:attrNameLst>
+                                          <p:attrName>style.visibility</p:attrName>
+                                        </p:attrNameLst>
+                                      </p:cBhvr>
+                                      <p:to>
+                                        <p:strVal val="visible"/>
+                                      </p:to>
+                                    </p:set>
+                                  </p:childTnLst>
+                                </p:cTn>
+                              </p:par>
+                            </p:childTnLst>
+                          </p:cTn>
+                        </p:par>
+                      </p:childTnLst>
+                    </p:cTn>
+                  </p:par>
+                  <p:par>
+                    <p:cTn id="7" fill="hold">
+                      <p:stCondLst>
+                        <p:cond delay="indefinite"/>
+                      </p:stCondLst>
+                      <p:childTnLst>
+                        <p:par>
+                          <p:cTn id="8" fill="hold">
+                            <p:stCondLst>
+                              <p:cond delay="0"/>
+                            </p:stCondLst>
+                            <p:childTnLst>
+                              <p:par>
+                                <p:cTn id="9" presetID="1" presetClass="entr" presetSubtype="0" fill="hold" nodeType="clickEffect">
+                                  <p:stCondLst>
+                                    <p:cond delay="0"/>
+                                  </p:stCondLst>
+                                  <p:childTnLst>
+                                    <p:set>
+                                      <p:cBhvr>
+                                        <p:cTn id="10" dur="1" fill="hold">
+                                          <p:stCondLst>
+                                            <p:cond delay="0"/>
+                                          </p:stCondLst>
+                                        </p:cTn>
+                                        <p:tgtEl>
+                                          <p:spTgt spid="9">
+                                            <p:txEl>
+                                              <p:pRg st="1" end="1"/>
+                                            </p:txEl>
+                                          </p:spTgt>
+                                        </p:tgtEl>
+                                        <p:attrNameLst>
+                                          <p:attrName>style.visibility</p:attrName>
+                                        </p:attrNameLst>
+                                      </p:cBhvr>
+                                      <p:to>
+                                        <p:strVal val="visible"/>
+                                      </p:to>
+                                    </p:set>
+                                  </p:childTnLst>
+                                </p:cTn>
+                              </p:par>
+                              <p:par>
+                                <p:cTn id="11" presetID="1" presetClass="entr" presetSubtype="0" fill="hold" nodeType="withEffect">
+                                  <p:stCondLst>
+                                    <p:cond delay="0"/>
+                                  </p:stCondLst>
+                                  <p:childTnLst>
+                                    <p:set>
+                                      <p:cBhvr>
+                                        <p:cTn id="12" dur="1" fill="hold">
+                                          <p:stCondLst>
+                                            <p:cond delay="0"/>
+                                          </p:stCondLst>
+                                        </p:cTn>
+                                        <p:tgtEl>
+                                          <p:spTgt spid="13"/>
+                                        </p:tgtEl>
+                                        <p:attrNameLst>
+                                          <p:attrName>style.visibility</p:attrName>
+                                        </p:attrNameLst>
+                                      </p:cBhvr>
+                                      <p:to>
+                                        <p:strVal val="visible"/>
+                                      </p:to>
+                                    </p:set>
+                                  </p:childTnLst>
+                                </p:cTn>
+                              </p:par>
+                            </p:childTnLst>
+                          </p:cTn>
+                        </p:par>
+                      </p:childTnLst>
+                    </p:cTn>
+                  </p:par>
+                  <p:par>
+                    <p:cTn id="13" fill="hold">
+                      <p:stCondLst>
+                        <p:cond delay="indefinite"/>
+                      </p:stCondLst>
+                      <p:childTnLst>
+                        <p:par>
+                          <p:cTn id="14" fill="hold">
+                            <p:stCondLst>
+                              <p:cond delay="0"/>
+                            </p:stCondLst>
+                            <p:childTnLst>
+                              <p:par>
+                                <p:cTn id="15" presetID="1" presetClass="entr" presetSubtype="0" fill="hold" nodeType="clickEffect">
+                                  <p:stCondLst>
+                                    <p:cond delay="0"/>
+                                  </p:stCondLst>
+                                  <p:childTnLst>
+                                    <p:set>
+                                      <p:cBhvr>
+                                        <p:cTn id="16" dur="1" fill="hold">
+                                          <p:stCondLst>
+                                            <p:cond delay="0"/>
+                                          </p:stCondLst>
+                                        </p:cTn>
+                                        <p:tgtEl>
+                                          <p:spTgt spid="9">
+                                            <p:txEl>
+                                              <p:pRg st="2" end="2"/>
+                                            </p:txEl>
+                                          </p:spTgt>
+                                        </p:tgtEl>
+                                        <p:attrNameLst>
+                                          <p:attrName>style.visibility</p:attrName>
+                                        </p:attrNameLst>
+                                      </p:cBhvr>
+                                      <p:to>
+                                        <p:strVal val="visible"/>
+                                      </p:to>
+                                    </p:set>
+                                  </p:childTnLst>
+                                </p:cTn>
+                              </p:par>
+                              <p:par>
+                                <p:cTn id="17" presetID="1" presetClass="entr" presetSubtype="0" fill="hold" nodeType="withEffect">
+                                  <p:stCondLst>
+                                    <p:cond delay="0"/>
+                                  </p:stCondLst>
+                                  <p:childTnLst>
+                                    <p:set>
+                                      <p:cBhvr>
+                                        <p:cTn id="18" dur="1" fill="hold">
+                                          <p:stCondLst>
+                                            <p:cond delay="0"/>
+                                          </p:stCondLst>
+                                        </p:cTn>
+                                        <p:tgtEl>
+                                          <p:spTgt spid="15"/>
+                                        </p:tgtEl>
+                                        <p:attrNameLst>
+                                          <p:attrName>style.visibility</p:attrName>
+                                        </p:attrNameLst>
+                                      </p:cBhvr>
+                                      <p:to>
+                                        <p:strVal val="visible"/>
+                                      </p:to>
+                                    </p:set>
+                                  </p:childTnLst>
+                                </p:cTn>
+                              </p:par>
+                              <p:par>
+                                <p:cTn id="19" presetID="1" presetClass="exit" presetSubtype="0" fill="hold" nodeType="withEffect">
+                                  <p:stCondLst>
+                                    <p:cond delay="0"/>
+                                  </p:stCondLst>
+                                  <p:childTnLst>
+                                    <p:set>
+                                      <p:cBhvr>
+                                        <p:cTn id="20" dur="1" fill="hold">
+                                          <p:stCondLst>
+                                            <p:cond delay="0"/>
+                                          </p:stCondLst>
+                                        </p:cTn>
+                                        <p:tgtEl>
+                                          <p:spTgt spid="13"/>
+                                        </p:tgtEl>
+                                        <p:attrNameLst>
+                                          <p:attrName>style.visibility</p:attrName>
+                                        </p:attrNameLst>
+                                      </p:cBhvr>
+                                      <p:to>
+                                        <p:strVal val="hidden"/>
+                                      </p:to>
+                                    </p:set>
+                                  </p:childTnLst>
+                                </p:cTn>
+                              </p:par>
+                            </p:childTnLst>
+                          </p:cTn>
+                        </p:par>
+                      </p:childTnLst>
+                    </p:cTn>
+                  </p:par>
+                </p:childTnLst>
+              </p:cTn>
+              <p:prevCondLst>
+                <p:cond evt="onPrev" delay="0">
+                  <p:tgtEl>
+                    <p:sldTgt/>
+                  </p:tgtEl>
+                </p:cond>
+              </p:prevCondLst>
+              <p:nextCondLst>
+                <p:cond evt="onNext" delay="0">
+                  <p:tgtEl>
+                    <p:sldTgt/>
+                  </p:tgtEl>
+                </p:cond>
+              </p:nextCondLst>
+            </p:seq>
+          </p:childTnLst>
+        </p:cTn>
+      </p:par>
+    </p:tnLst>
+  </p:timing>
+</p:sld>
+</file>
+
+<file path=ppt/slides/slide3.xml><?xml version="1.0" encoding="utf-8"?>
+<p:sld xmlns:a="http://schemas.openxmlformats.org/drawingml/2006/main" xmlns:r="http://schemas.openxmlformats.org/officeDocument/2006/relationships" xmlns:p="http://schemas.openxmlformats.org/presentationml/2006/main">
+  <p:cSld>
+    <p:bg>
+      <p:bgPr>
+        <a:solidFill>
+          <a:schemeClr val="bg1"/>
+        </a:solidFill>
+        <a:effectLst/>
+      </p:bgPr>
+    </p:bg>
+    <p:spTree>
+      <p:nvGrpSpPr>
+        <p:cNvPr id="1" name=""/>
+        <p:cNvGrpSpPr/>
+        <p:nvPr/>
+      </p:nvGrpSpPr>
+      <p:grpSpPr>
+        <a:xfrm>
+          <a:off x="0" y="0"/>
+          <a:ext cx="0" cy="0"/>
+          <a:chOff x="0" y="0"/>
+          <a:chExt cx="0" cy="0"/>
+        </a:xfrm>
+      </p:grpSpPr>
+      <p:sp>
+        <p:nvSpPr>
+          <p:cNvPr id="4" name="Title 3">
+            <a:extLst>
+              <a:ext uri="{FF2B5EF4-FFF2-40B4-BE49-F238E27FC236}">
+                <a16:creationId xmlns:a16="http://schemas.microsoft.com/office/drawing/2014/main" id="{17158F45-5A3E-41C9-BD03-55EC547DE3FE}"/>
+              </a:ext>
+            </a:extLst>
+          </p:cNvPr>
+          <p:cNvSpPr>
+            <a:spLocks noGrp="1"/>
+          </p:cNvSpPr>
+          <p:nvPr>
+            <p:ph type="title"/>
+          </p:nvPr>
+        </p:nvSpPr>
+        <p:spPr/>
+        <p:txBody>
+          <a:bodyPr/>
+          <a:lstStyle/>
+          <a:p>
+            <a:r>
+              <a:rPr lang="en-US" dirty="0"/>
+              <a:t>The Amplify CLI</a:t>
+            </a:r>
+          </a:p>
+        </p:txBody>
+      </p:sp>
+      <p:sp>
+        <p:nvSpPr>
+          <p:cNvPr id="9" name="Content Placeholder 8">
+            <a:extLst>
+              <a:ext uri="{FF2B5EF4-FFF2-40B4-BE49-F238E27FC236}">
+                <a16:creationId xmlns:a16="http://schemas.microsoft.com/office/drawing/2014/main" id="{9019EBDA-4F12-443A-9A86-196F81C14DFC}"/>
+              </a:ext>
+            </a:extLst>
+          </p:cNvPr>
+          <p:cNvSpPr>
+            <a:spLocks noGrp="1"/>
+          </p:cNvSpPr>
+          <p:nvPr>
+            <p:ph idx="1"/>
+          </p:nvPr>
+        </p:nvSpPr>
+        <p:spPr>
+          <a:xfrm>
+            <a:off x="1066801" y="2103120"/>
+            <a:ext cx="4235042" cy="3849624"/>
+          </a:xfrm>
+        </p:spPr>
+        <p:txBody>
+          <a:bodyPr>
+            <a:normAutofit/>
+          </a:bodyPr>
+          <a:lstStyle/>
+          <a:p>
+            <a:r>
+              <a:rPr lang="en-US" sz="1800" dirty="0"/>
+              <a:t>Common commands</a:t>
+            </a:r>
+          </a:p>
+          <a:p>
+            <a:pPr lvl="1"/>
+            <a:r>
+              <a:rPr lang="en-US" sz="1600" dirty="0"/>
+              <a:t>amplify init</a:t>
+            </a:r>
+          </a:p>
+          <a:p>
+            <a:pPr lvl="1"/>
+            <a:r>
+              <a:rPr lang="en-US" sz="1600" dirty="0"/>
+              <a:t>amplify add</a:t>
+            </a:r>
+          </a:p>
+          <a:p>
+            <a:pPr lvl="1"/>
+            <a:r>
+              <a:rPr lang="en-US" sz="1600" dirty="0"/>
+              <a:t>amplify pull</a:t>
+            </a:r>
+          </a:p>
+          <a:p>
+            <a:pPr lvl="1"/>
+            <a:r>
+              <a:rPr lang="en-US" sz="1600" dirty="0"/>
+              <a:t>amplify mock</a:t>
+            </a:r>
+          </a:p>
+          <a:p>
+            <a:r>
+              <a:rPr lang="en-US" sz="1800" dirty="0"/>
+              <a:t>Categories</a:t>
+            </a:r>
+          </a:p>
+          <a:p>
+            <a:pPr lvl="1"/>
+            <a:r>
+              <a:rPr lang="en-US" sz="1600" dirty="0"/>
+              <a:t>Auth</a:t>
+            </a:r>
+          </a:p>
+          <a:p>
+            <a:pPr lvl="1"/>
+            <a:r>
+              <a:rPr lang="en-US" sz="1600" dirty="0"/>
+              <a:t>API</a:t>
+            </a:r>
+          </a:p>
+          <a:p>
+            <a:pPr lvl="1"/>
+            <a:r>
+              <a:rPr lang="en-US" sz="1600" dirty="0"/>
+              <a:t>Storage</a:t>
+            </a:r>
+          </a:p>
+          <a:p>
+            <a:pPr lvl="1"/>
+            <a:r>
+              <a:rPr lang="en-US" sz="1600" dirty="0"/>
+              <a:t>Predictions</a:t>
+            </a:r>
+          </a:p>
+        </p:txBody>
+      </p:sp>
+      <p:pic>
+        <p:nvPicPr>
+          <p:cNvPr id="3" name="Picture 2" descr="Graphical user interface, text&#10;&#10;Description automatically generated">
+            <a:extLst>
+              <a:ext uri="{FF2B5EF4-FFF2-40B4-BE49-F238E27FC236}">
+                <a16:creationId xmlns:a16="http://schemas.microsoft.com/office/drawing/2014/main" id="{532929A9-585D-4C48-AFDE-58407E4080F3}"/>
+              </a:ext>
+            </a:extLst>
+          </p:cNvPr>
+          <p:cNvPicPr>
+            <a:picLocks noChangeAspect="1"/>
+          </p:cNvPicPr>
+          <p:nvPr/>
+        </p:nvPicPr>
+        <p:blipFill>
+          <a:blip r:embed="rId2"/>
+          <a:stretch>
+            <a:fillRect/>
+          </a:stretch>
+        </p:blipFill>
+        <p:spPr>
+          <a:xfrm>
+            <a:off x="4623512" y="2103120"/>
+            <a:ext cx="6201901" cy="2128799"/>
+          </a:xfrm>
+          <a:prstGeom prst="rect">
+            <a:avLst/>
+          </a:prstGeom>
+        </p:spPr>
+      </p:pic>
+      <p:pic>
+        <p:nvPicPr>
+          <p:cNvPr id="6" name="Picture 5" descr="Icon&#10;&#10;Description automatically generated">
+            <a:extLst>
+              <a:ext uri="{FF2B5EF4-FFF2-40B4-BE49-F238E27FC236}">
+                <a16:creationId xmlns:a16="http://schemas.microsoft.com/office/drawing/2014/main" id="{31CD0557-A62A-4E82-94BF-25AA02E5F083}"/>
+              </a:ext>
+            </a:extLst>
+          </p:cNvPr>
+          <p:cNvPicPr>
+            <a:picLocks noChangeAspect="1"/>
+          </p:cNvPicPr>
+          <p:nvPr/>
+        </p:nvPicPr>
+        <p:blipFill>
+          <a:blip r:embed="rId3">
+            <a:extLst>
+              <a:ext uri="{837473B0-CC2E-450A-ABE3-18F120FF3D39}">
+                <a1611:picAttrSrcUrl xmlns:a1611="http://schemas.microsoft.com/office/drawing/2016/11/main" r:id="rId4"/>
+              </a:ext>
+            </a:extLst>
+          </a:blip>
+          <a:stretch>
+            <a:fillRect/>
+          </a:stretch>
+        </p:blipFill>
+        <p:spPr>
+          <a:xfrm>
+            <a:off x="5143500" y="301249"/>
+            <a:ext cx="1905000" cy="1905000"/>
+          </a:xfrm>
+          <a:prstGeom prst="rect">
+            <a:avLst/>
+          </a:prstGeom>
+        </p:spPr>
+      </p:pic>
+      <p:pic>
+        <p:nvPicPr>
+          <p:cNvPr id="7" name="Picture 6">
+            <a:extLst>
+              <a:ext uri="{FF2B5EF4-FFF2-40B4-BE49-F238E27FC236}">
+                <a16:creationId xmlns:a16="http://schemas.microsoft.com/office/drawing/2014/main" id="{626A7CAF-86F6-4256-850D-C48C8C127963}"/>
+              </a:ext>
+            </a:extLst>
+          </p:cNvPr>
+          <p:cNvPicPr>
+            <a:picLocks noChangeAspect="1"/>
+          </p:cNvPicPr>
+          <p:nvPr/>
+        </p:nvPicPr>
+        <p:blipFill>
+          <a:blip r:embed="rId5"/>
+          <a:stretch>
+            <a:fillRect/>
+          </a:stretch>
+        </p:blipFill>
+        <p:spPr>
+          <a:xfrm>
+            <a:off x="4204411" y="2103120"/>
+            <a:ext cx="6920788" cy="3506946"/>
+          </a:xfrm>
+          <a:prstGeom prst="rect">
+            <a:avLst/>
+          </a:prstGeom>
+        </p:spPr>
+      </p:pic>
+      <p:pic>
+        <p:nvPicPr>
+          <p:cNvPr id="10" name="Picture 9">
+            <a:extLst>
+              <a:ext uri="{FF2B5EF4-FFF2-40B4-BE49-F238E27FC236}">
+                <a16:creationId xmlns:a16="http://schemas.microsoft.com/office/drawing/2014/main" id="{7CEAB4F3-688A-4C05-BCFC-FE934306C664}"/>
+              </a:ext>
+            </a:extLst>
+          </p:cNvPr>
+          <p:cNvPicPr>
+            <a:picLocks noChangeAspect="1"/>
+          </p:cNvPicPr>
+          <p:nvPr/>
+        </p:nvPicPr>
+        <p:blipFill>
+          <a:blip r:embed="rId6"/>
+          <a:stretch>
+            <a:fillRect/>
+          </a:stretch>
+        </p:blipFill>
+        <p:spPr>
+          <a:xfrm>
+            <a:off x="4414470" y="2273974"/>
+            <a:ext cx="5268060" cy="1381318"/>
+          </a:xfrm>
+          <a:prstGeom prst="rect">
+            <a:avLst/>
+          </a:prstGeom>
+        </p:spPr>
+      </p:pic>
+      <p:pic>
+        <p:nvPicPr>
+          <p:cNvPr id="12" name="Picture 11">
+            <a:extLst>
+              <a:ext uri="{FF2B5EF4-FFF2-40B4-BE49-F238E27FC236}">
+                <a16:creationId xmlns:a16="http://schemas.microsoft.com/office/drawing/2014/main" id="{CFA1FCD8-62BB-4CEE-8062-2BB3E9D2EE19}"/>
+              </a:ext>
+            </a:extLst>
+          </p:cNvPr>
+          <p:cNvPicPr>
+            <a:picLocks noChangeAspect="1"/>
+          </p:cNvPicPr>
+          <p:nvPr/>
+        </p:nvPicPr>
+        <p:blipFill>
+          <a:blip r:embed="rId7"/>
+          <a:stretch>
+            <a:fillRect/>
+          </a:stretch>
+        </p:blipFill>
+        <p:spPr>
+          <a:xfrm>
+            <a:off x="4309680" y="2201436"/>
+            <a:ext cx="5372850" cy="2029108"/>
+          </a:xfrm>
+          <a:prstGeom prst="rect">
+            <a:avLst/>
+          </a:prstGeom>
+        </p:spPr>
+      </p:pic>
+      <p:pic>
+        <p:nvPicPr>
+          <p:cNvPr id="16" name="Picture 15">
+            <a:extLst>
+              <a:ext uri="{FF2B5EF4-FFF2-40B4-BE49-F238E27FC236}">
+                <a16:creationId xmlns:a16="http://schemas.microsoft.com/office/drawing/2014/main" id="{D3082F37-9B32-4842-887B-A6C5663A07CE}"/>
+              </a:ext>
+            </a:extLst>
+          </p:cNvPr>
+          <p:cNvPicPr>
+            <a:picLocks noChangeAspect="1"/>
+          </p:cNvPicPr>
+          <p:nvPr/>
+        </p:nvPicPr>
+        <p:blipFill>
+          <a:blip r:embed="rId8"/>
+          <a:stretch>
+            <a:fillRect/>
+          </a:stretch>
+        </p:blipFill>
+        <p:spPr>
+          <a:xfrm>
+            <a:off x="4323727" y="2200061"/>
+            <a:ext cx="4629773" cy="1746463"/>
+          </a:xfrm>
+          <a:prstGeom prst="rect">
+            <a:avLst/>
+          </a:prstGeom>
+        </p:spPr>
+      </p:pic>
+      <p:pic>
+        <p:nvPicPr>
+          <p:cNvPr id="18" name="Picture 17">
+            <a:extLst>
+              <a:ext uri="{FF2B5EF4-FFF2-40B4-BE49-F238E27FC236}">
+                <a16:creationId xmlns:a16="http://schemas.microsoft.com/office/drawing/2014/main" id="{A705136B-1FC3-4D2C-B517-10B7829DBA02}"/>
+              </a:ext>
+            </a:extLst>
+          </p:cNvPr>
+          <p:cNvPicPr>
+            <a:picLocks noChangeAspect="1"/>
+          </p:cNvPicPr>
+          <p:nvPr/>
+        </p:nvPicPr>
+        <p:blipFill>
+          <a:blip r:embed="rId9"/>
+          <a:stretch>
+            <a:fillRect/>
+          </a:stretch>
+        </p:blipFill>
+        <p:spPr>
+          <a:xfrm>
+            <a:off x="4323726" y="3946524"/>
+            <a:ext cx="4629773" cy="1744433"/>
+          </a:xfrm>
+          <a:prstGeom prst="rect">
+            <a:avLst/>
+          </a:prstGeom>
+        </p:spPr>
+      </p:pic>
+      <p:pic>
+        <p:nvPicPr>
+          <p:cNvPr id="20" name="Picture 19">
+            <a:extLst>
+              <a:ext uri="{FF2B5EF4-FFF2-40B4-BE49-F238E27FC236}">
+                <a16:creationId xmlns:a16="http://schemas.microsoft.com/office/drawing/2014/main" id="{6C96F0F4-9A5F-4AF6-AAEE-874E6D6A45C0}"/>
+              </a:ext>
+            </a:extLst>
+          </p:cNvPr>
+          <p:cNvPicPr>
+            <a:picLocks noChangeAspect="1"/>
+          </p:cNvPicPr>
+          <p:nvPr/>
+        </p:nvPicPr>
+        <p:blipFill>
+          <a:blip r:embed="rId10"/>
+          <a:stretch>
+            <a:fillRect/>
+          </a:stretch>
+        </p:blipFill>
+        <p:spPr>
+          <a:xfrm>
+            <a:off x="4309681" y="2203777"/>
+            <a:ext cx="5372850" cy="2049048"/>
+          </a:xfrm>
+          <a:prstGeom prst="rect">
+            <a:avLst/>
+          </a:prstGeom>
+        </p:spPr>
+      </p:pic>
+      <p:pic>
+        <p:nvPicPr>
+          <p:cNvPr id="22" name="Picture 21">
+            <a:extLst>
+              <a:ext uri="{FF2B5EF4-FFF2-40B4-BE49-F238E27FC236}">
+                <a16:creationId xmlns:a16="http://schemas.microsoft.com/office/drawing/2014/main" id="{D37B91A6-9937-4823-8994-3A546780278B}"/>
+              </a:ext>
+            </a:extLst>
+          </p:cNvPr>
+          <p:cNvPicPr>
+            <a:picLocks noChangeAspect="1"/>
+          </p:cNvPicPr>
+          <p:nvPr/>
+        </p:nvPicPr>
+        <p:blipFill>
+          <a:blip r:embed="rId11"/>
+          <a:stretch>
+            <a:fillRect/>
+          </a:stretch>
+        </p:blipFill>
+        <p:spPr>
+          <a:xfrm>
+            <a:off x="4304917" y="2200061"/>
+            <a:ext cx="5407764" cy="2029108"/>
+          </a:xfrm>
+          <a:prstGeom prst="rect">
+            <a:avLst/>
+          </a:prstGeom>
+        </p:spPr>
+      </p:pic>
+    </p:spTree>
+    <p:extLst>
+      <p:ext uri="{BB962C8B-B14F-4D97-AF65-F5344CB8AC3E}">
+        <p14:creationId xmlns:p14="http://schemas.microsoft.com/office/powerpoint/2010/main" val="1654666432"/>
+      </p:ext>
+    </p:extLst>
+  </p:cSld>
+  <p:clrMapOvr>
+    <a:masterClrMapping/>
+  </p:clrMapOvr>
+  <p:timing>
+    <p:tnLst>
+      <p:par>
+        <p:cTn id="1" dur="indefinite" restart="never" nodeType="tmRoot">
+          <p:childTnLst>
+            <p:seq concurrent="1" nextAc="seek">
+              <p:cTn id="2" dur="indefinite" nodeType="mainSeq">
+                <p:childTnLst>
+                  <p:par>
+                    <p:cTn id="3" fill="hold">
+                      <p:stCondLst>
+                        <p:cond delay="indefinite"/>
+                      </p:stCondLst>
+                      <p:childTnLst>
+                        <p:par>
+                          <p:cTn id="4" fill="hold">
+                            <p:stCondLst>
+                              <p:cond delay="0"/>
+                            </p:stCondLst>
+                            <p:childTnLst>
+                              <p:par>
+                                <p:cTn id="5" presetID="1" presetClass="entr" presetSubtype="0" fill="hold" nodeType="clickEffect">
+                                  <p:stCondLst>
+                                    <p:cond delay="0"/>
+                                  </p:stCondLst>
+                                  <p:childTnLst>
+                                    <p:set>
+                                      <p:cBhvr>
+                                        <p:cTn id="6" dur="1" fill="hold">
+                                          <p:stCondLst>
+                                            <p:cond delay="0"/>
+                                          </p:stCondLst>
+                                        </p:cTn>
+                                        <p:tgtEl>
+                                          <p:spTgt spid="9">
+                                            <p:txEl>
+                                              <p:pRg st="0" end="0"/>
+                                            </p:txEl>
+                                          </p:spTgt>
+                                        </p:tgtEl>
+                                        <p:attrNameLst>
+                                          <p:attrName>style.visibility</p:attrName>
+                                        </p:attrNameLst>
+                                      </p:cBhvr>
+                                      <p:to>
+                                        <p:strVal val="visible"/>
+                                      </p:to>
+                                    </p:set>
+                                  </p:childTnLst>
+                                </p:cTn>
+                              </p:par>
+                            </p:childTnLst>
+                          </p:cTn>
+                        </p:par>
+                      </p:childTnLst>
+                    </p:cTn>
+                  </p:par>
+                  <p:par>
+                    <p:cTn id="7" fill="hold">
+                      <p:stCondLst>
+                        <p:cond delay="indefinite"/>
+                      </p:stCondLst>
+                      <p:childTnLst>
+                        <p:par>
+                          <p:cTn id="8" fill="hold">
+                            <p:stCondLst>
+                              <p:cond delay="0"/>
+                            </p:stCondLst>
+                            <p:childTnLst>
+                              <p:par>
+                                <p:cTn id="9" presetID="1" presetClass="entr" presetSubtype="0" fill="hold" nodeType="clickEffect">
+                                  <p:stCondLst>
+                                    <p:cond delay="0"/>
+                                  </p:stCondLst>
+                                  <p:childTnLst>
+                                    <p:set>
+                                      <p:cBhvr>
+                                        <p:cTn id="10" dur="1" fill="hold">
+                                          <p:stCondLst>
+                                            <p:cond delay="0"/>
+                                          </p:stCondLst>
+                                        </p:cTn>
+                                        <p:tgtEl>
+                                          <p:spTgt spid="9">
+                                            <p:txEl>
+                                              <p:pRg st="1" end="1"/>
+                                            </p:txEl>
+                                          </p:spTgt>
+                                        </p:tgtEl>
+                                        <p:attrNameLst>
+                                          <p:attrName>style.visibility</p:attrName>
+                                        </p:attrNameLst>
+                                      </p:cBhvr>
+                                      <p:to>
+                                        <p:strVal val="visible"/>
+                                      </p:to>
+                                    </p:set>
+                                  </p:childTnLst>
+                                </p:cTn>
+                              </p:par>
+                              <p:par>
+                                <p:cTn id="11" presetID="1" presetClass="entr" presetSubtype="0" fill="hold" nodeType="withEffect">
+                                  <p:stCondLst>
+                                    <p:cond delay="0"/>
+                                  </p:stCondLst>
+                                  <p:childTnLst>
+                                    <p:set>
+                                      <p:cBhvr>
+                                        <p:cTn id="12" dur="1" fill="hold">
+                                          <p:stCondLst>
+                                            <p:cond delay="0"/>
+                                          </p:stCondLst>
+                                        </p:cTn>
+                                        <p:tgtEl>
+                                          <p:spTgt spid="3"/>
+                                        </p:tgtEl>
+                                        <p:attrNameLst>
+                                          <p:attrName>style.visibility</p:attrName>
+                                        </p:attrNameLst>
+                                      </p:cBhvr>
+                                      <p:to>
+                                        <p:strVal val="visible"/>
+                                      </p:to>
+                                    </p:set>
+                                  </p:childTnLst>
+                                </p:cTn>
+                              </p:par>
+                            </p:childTnLst>
+                          </p:cTn>
+                        </p:par>
+                      </p:childTnLst>
+                    </p:cTn>
+                  </p:par>
+                  <p:par>
+                    <p:cTn id="13" fill="hold">
+                      <p:stCondLst>
+                        <p:cond delay="indefinite"/>
+                      </p:stCondLst>
+                      <p:childTnLst>
+                        <p:par>
+                          <p:cTn id="14" fill="hold">
+                            <p:stCondLst>
+                              <p:cond delay="0"/>
+                            </p:stCondLst>
+                            <p:childTnLst>
+                              <p:par>
+                                <p:cTn id="15" presetID="1" presetClass="entr" presetSubtype="0" fill="hold" nodeType="clickEffect">
+                                  <p:stCondLst>
+                                    <p:cond delay="0"/>
+                                  </p:stCondLst>
+                                  <p:childTnLst>
+                                    <p:set>
+                                      <p:cBhvr>
+                                        <p:cTn id="16" dur="1" fill="hold">
+                                          <p:stCondLst>
+                                            <p:cond delay="0"/>
+                                          </p:stCondLst>
+                                        </p:cTn>
+                                        <p:tgtEl>
+                                          <p:spTgt spid="9">
+                                            <p:txEl>
+                                              <p:pRg st="2" end="2"/>
+                                            </p:txEl>
+                                          </p:spTgt>
+                                        </p:tgtEl>
+                                        <p:attrNameLst>
+                                          <p:attrName>style.visibility</p:attrName>
+                                        </p:attrNameLst>
+                                      </p:cBhvr>
+                                      <p:to>
+                                        <p:strVal val="visible"/>
+                                      </p:to>
+                                    </p:set>
+                                  </p:childTnLst>
+                                </p:cTn>
+                              </p:par>
+                              <p:par>
+                                <p:cTn id="17" presetID="1" presetClass="exit" presetSubtype="0" fill="hold" nodeType="withEffect">
+                                  <p:stCondLst>
+                                    <p:cond delay="0"/>
+                                  </p:stCondLst>
+                                  <p:childTnLst>
+                                    <p:set>
+                                      <p:cBhvr>
+                                        <p:cTn id="18" dur="1" fill="hold">
+                                          <p:stCondLst>
+                                            <p:cond delay="0"/>
+                                          </p:stCondLst>
+                                        </p:cTn>
+                                        <p:tgtEl>
+                                          <p:spTgt spid="3"/>
+                                        </p:tgtEl>
+                                        <p:attrNameLst>
+                                          <p:attrName>style.visibility</p:attrName>
+                                        </p:attrNameLst>
+                                      </p:cBhvr>
+                                      <p:to>
+                                        <p:strVal val="hidden"/>
+                                      </p:to>
+                                    </p:set>
+                                  </p:childTnLst>
+                                </p:cTn>
+                              </p:par>
+                              <p:par>
+                                <p:cTn id="19" presetID="1" presetClass="entr" presetSubtype="0" fill="hold" nodeType="withEffect">
+                                  <p:stCondLst>
+                                    <p:cond delay="0"/>
+                                  </p:stCondLst>
+                                  <p:childTnLst>
+                                    <p:set>
+                                      <p:cBhvr>
+                                        <p:cTn id="20" dur="1" fill="hold">
+                                          <p:stCondLst>
+                                            <p:cond delay="0"/>
+                                          </p:stCondLst>
+                                        </p:cTn>
+                                        <p:tgtEl>
+                                          <p:spTgt spid="7"/>
+                                        </p:tgtEl>
+                                        <p:attrNameLst>
+                                          <p:attrName>style.visibility</p:attrName>
+                                        </p:attrNameLst>
+                                      </p:cBhvr>
+                                      <p:to>
+                                        <p:strVal val="visible"/>
+                                      </p:to>
+                                    </p:set>
+                                  </p:childTnLst>
+                                </p:cTn>
+                              </p:par>
+                            </p:childTnLst>
+                          </p:cTn>
+                        </p:par>
+                      </p:childTnLst>
+                    </p:cTn>
+                  </p:par>
+                  <p:par>
+                    <p:cTn id="21" fill="hold">
+                      <p:stCondLst>
+                        <p:cond delay="indefinite"/>
+                      </p:stCondLst>
+                      <p:childTnLst>
+                        <p:par>
+                          <p:cTn id="22" fill="hold">
+                            <p:stCondLst>
+                              <p:cond delay="0"/>
+                            </p:stCondLst>
+                            <p:childTnLst>
+                              <p:par>
+                                <p:cTn id="23" presetID="1" presetClass="entr" presetSubtype="0" fill="hold" nodeType="clickEffect">
+                                  <p:stCondLst>
+                                    <p:cond delay="0"/>
+                                  </p:stCondLst>
+                                  <p:childTnLst>
+                                    <p:set>
+                                      <p:cBhvr>
+                                        <p:cTn id="24" dur="1" fill="hold">
+                                          <p:stCondLst>
+                                            <p:cond delay="0"/>
+                                          </p:stCondLst>
+                                        </p:cTn>
+                                        <p:tgtEl>
+                                          <p:spTgt spid="9">
+                                            <p:txEl>
+                                              <p:pRg st="3" end="3"/>
+                                            </p:txEl>
+                                          </p:spTgt>
+                                        </p:tgtEl>
+                                        <p:attrNameLst>
+                                          <p:attrName>style.visibility</p:attrName>
+                                        </p:attrNameLst>
+                                      </p:cBhvr>
+                                      <p:to>
+                                        <p:strVal val="visible"/>
+                                      </p:to>
+                                    </p:set>
+                                  </p:childTnLst>
+                                </p:cTn>
+                              </p:par>
+                            </p:childTnLst>
+                          </p:cTn>
+                        </p:par>
+                      </p:childTnLst>
+                    </p:cTn>
+                  </p:par>
+                  <p:par>
+                    <p:cTn id="25" fill="hold">
+                      <p:stCondLst>
+                        <p:cond delay="indefinite"/>
+                      </p:stCondLst>
+                      <p:childTnLst>
+                        <p:par>
+                          <p:cTn id="26" fill="hold">
+                            <p:stCondLst>
+                              <p:cond delay="0"/>
+                            </p:stCondLst>
+                            <p:childTnLst>
+                              <p:par>
+                                <p:cTn id="27" presetID="1" presetClass="entr" presetSubtype="0" fill="hold" nodeType="clickEffect">
+                                  <p:stCondLst>
+                                    <p:cond delay="0"/>
+                                  </p:stCondLst>
+                                  <p:childTnLst>
+                                    <p:set>
+                                      <p:cBhvr>
+                                        <p:cTn id="28" dur="1" fill="hold">
+                                          <p:stCondLst>
+                                            <p:cond delay="0"/>
+                                          </p:stCondLst>
+                                        </p:cTn>
+                                        <p:tgtEl>
+                                          <p:spTgt spid="9">
+                                            <p:txEl>
+                                              <p:pRg st="4" end="4"/>
+                                            </p:txEl>
+                                          </p:spTgt>
+                                        </p:tgtEl>
+                                        <p:attrNameLst>
+                                          <p:attrName>style.visibility</p:attrName>
+                                        </p:attrNameLst>
+                                      </p:cBhvr>
+                                      <p:to>
+                                        <p:strVal val="visible"/>
+                                      </p:to>
+                                    </p:set>
+                                  </p:childTnLst>
+                                </p:cTn>
+                              </p:par>
+                              <p:par>
+                                <p:cTn id="29" presetID="1" presetClass="exit" presetSubtype="0" fill="hold" nodeType="withEffect">
+                                  <p:stCondLst>
+                                    <p:cond delay="0"/>
+                                  </p:stCondLst>
+                                  <p:childTnLst>
+                                    <p:set>
+                                      <p:cBhvr>
+                                        <p:cTn id="30" dur="1" fill="hold">
+                                          <p:stCondLst>
+                                            <p:cond delay="0"/>
+                                          </p:stCondLst>
+                                        </p:cTn>
+                                        <p:tgtEl>
+                                          <p:spTgt spid="7"/>
+                                        </p:tgtEl>
+                                        <p:attrNameLst>
+                                          <p:attrName>style.visibility</p:attrName>
+                                        </p:attrNameLst>
+                                      </p:cBhvr>
+                                      <p:to>
+                                        <p:strVal val="hidden"/>
+                                      </p:to>
+                                    </p:set>
+                                  </p:childTnLst>
+                                </p:cTn>
+                              </p:par>
+                              <p:par>
+                                <p:cTn id="31" presetID="1" presetClass="entr" presetSubtype="0" fill="hold" nodeType="withEffect">
+                                  <p:stCondLst>
+                                    <p:cond delay="0"/>
+                                  </p:stCondLst>
+                                  <p:childTnLst>
+                                    <p:set>
+                                      <p:cBhvr>
+                                        <p:cTn id="32" dur="1" fill="hold">
+                                          <p:stCondLst>
+                                            <p:cond delay="0"/>
+                                          </p:stCondLst>
+                                        </p:cTn>
+                                        <p:tgtEl>
+                                          <p:spTgt spid="10"/>
+                                        </p:tgtEl>
+                                        <p:attrNameLst>
+                                          <p:attrName>style.visibility</p:attrName>
+                                        </p:attrNameLst>
+                                      </p:cBhvr>
+                                      <p:to>
+                                        <p:strVal val="visible"/>
+                                      </p:to>
+                                    </p:set>
+                                  </p:childTnLst>
+                                </p:cTn>
+                              </p:par>
+                            </p:childTnLst>
+                          </p:cTn>
+                        </p:par>
+                      </p:childTnLst>
+                    </p:cTn>
+                  </p:par>
+                  <p:par>
+                    <p:cTn id="33" fill="hold">
+                      <p:stCondLst>
+                        <p:cond delay="indefinite"/>
+                      </p:stCondLst>
+                      <p:childTnLst>
+                        <p:par>
+                          <p:cTn id="34" fill="hold">
+                            <p:stCondLst>
+                              <p:cond delay="0"/>
+                            </p:stCondLst>
+                            <p:childTnLst>
+                              <p:par>
+                                <p:cTn id="35" presetID="1" presetClass="entr" presetSubtype="0" fill="hold" nodeType="clickEffect">
+                                  <p:stCondLst>
+                                    <p:cond delay="0"/>
+                                  </p:stCondLst>
+                                  <p:childTnLst>
+                                    <p:set>
+                                      <p:cBhvr>
+                                        <p:cTn id="36" dur="1" fill="hold">
+                                          <p:stCondLst>
+                                            <p:cond delay="0"/>
+                                          </p:stCondLst>
+                                        </p:cTn>
+                                        <p:tgtEl>
+                                          <p:spTgt spid="9">
+                                            <p:txEl>
+                                              <p:pRg st="5" end="5"/>
+                                            </p:txEl>
+                                          </p:spTgt>
+                                        </p:tgtEl>
+                                        <p:attrNameLst>
+                                          <p:attrName>style.visibility</p:attrName>
+                                        </p:attrNameLst>
+                                      </p:cBhvr>
+                                      <p:to>
+                                        <p:strVal val="visible"/>
+                                      </p:to>
+                                    </p:set>
+                                  </p:childTnLst>
+                                </p:cTn>
+                              </p:par>
+                            </p:childTnLst>
+                          </p:cTn>
+                        </p:par>
+                      </p:childTnLst>
+                    </p:cTn>
+                  </p:par>
+                  <p:par>
+                    <p:cTn id="37" fill="hold">
+                      <p:stCondLst>
+                        <p:cond delay="indefinite"/>
+                      </p:stCondLst>
+                      <p:childTnLst>
+                        <p:par>
+                          <p:cTn id="38" fill="hold">
+                            <p:stCondLst>
+                              <p:cond delay="0"/>
+                            </p:stCondLst>
+                            <p:childTnLst>
+                              <p:par>
+                                <p:cTn id="39" presetID="1" presetClass="entr" presetSubtype="0" fill="hold" nodeType="clickEffect">
+                                  <p:stCondLst>
+                                    <p:cond delay="0"/>
+                                  </p:stCondLst>
+                                  <p:childTnLst>
+                                    <p:set>
+                                      <p:cBhvr>
+                                        <p:cTn id="40" dur="1" fill="hold">
+                                          <p:stCondLst>
+                                            <p:cond delay="0"/>
+                                          </p:stCondLst>
+                                        </p:cTn>
+                                        <p:tgtEl>
+                                          <p:spTgt spid="9">
+                                            <p:txEl>
+                                              <p:pRg st="6" end="6"/>
+                                            </p:txEl>
+                                          </p:spTgt>
+                                        </p:tgtEl>
+                                        <p:attrNameLst>
+                                          <p:attrName>style.visibility</p:attrName>
+                                        </p:attrNameLst>
+                                      </p:cBhvr>
+                                      <p:to>
+                                        <p:strVal val="visible"/>
+                                      </p:to>
+                                    </p:set>
+                                  </p:childTnLst>
+                                </p:cTn>
+                              </p:par>
+                              <p:par>
+                                <p:cTn id="41" presetID="1" presetClass="exit" presetSubtype="0" fill="hold" nodeType="withEffect">
+                                  <p:stCondLst>
+                                    <p:cond delay="0"/>
+                                  </p:stCondLst>
+                                  <p:childTnLst>
+                                    <p:set>
+                                      <p:cBhvr>
+                                        <p:cTn id="42" dur="1" fill="hold">
+                                          <p:stCondLst>
+                                            <p:cond delay="0"/>
+                                          </p:stCondLst>
+                                        </p:cTn>
+                                        <p:tgtEl>
+                                          <p:spTgt spid="10"/>
+                                        </p:tgtEl>
+                                        <p:attrNameLst>
+                                          <p:attrName>style.visibility</p:attrName>
+                                        </p:attrNameLst>
+                                      </p:cBhvr>
+                                      <p:to>
+                                        <p:strVal val="hidden"/>
+                                      </p:to>
+                                    </p:set>
+                                  </p:childTnLst>
+                                </p:cTn>
+                              </p:par>
+                              <p:par>
+                                <p:cTn id="43" presetID="1" presetClass="entr" presetSubtype="0" fill="hold" nodeType="withEffect">
+                                  <p:stCondLst>
+                                    <p:cond delay="0"/>
+                                  </p:stCondLst>
+                                  <p:childTnLst>
+                                    <p:set>
+                                      <p:cBhvr>
+                                        <p:cTn id="44" dur="1" fill="hold">
+                                          <p:stCondLst>
+                                            <p:cond delay="0"/>
+                                          </p:stCondLst>
+                                        </p:cTn>
+                                        <p:tgtEl>
+                                          <p:spTgt spid="12"/>
+                                        </p:tgtEl>
+                                        <p:attrNameLst>
+                                          <p:attrName>style.visibility</p:attrName>
+                                        </p:attrNameLst>
+                                      </p:cBhvr>
+                                      <p:to>
+                                        <p:strVal val="visible"/>
+                                      </p:to>
+                                    </p:set>
+                                  </p:childTnLst>
+                                </p:cTn>
+                              </p:par>
+                            </p:childTnLst>
+                          </p:cTn>
+                        </p:par>
+                      </p:childTnLst>
+                    </p:cTn>
+                  </p:par>
+                  <p:par>
+                    <p:cTn id="45" fill="hold">
+                      <p:stCondLst>
+                        <p:cond delay="indefinite"/>
+                      </p:stCondLst>
+                      <p:childTnLst>
+                        <p:par>
+                          <p:cTn id="46" fill="hold">
+                            <p:stCondLst>
+                              <p:cond delay="0"/>
+                            </p:stCondLst>
+                            <p:childTnLst>
+                              <p:par>
+                                <p:cTn id="47" presetID="1" presetClass="entr" presetSubtype="0" fill="hold" nodeType="clickEffect">
+                                  <p:stCondLst>
+                                    <p:cond delay="0"/>
+                                  </p:stCondLst>
+                                  <p:childTnLst>
+                                    <p:set>
+                                      <p:cBhvr>
+                                        <p:cTn id="48" dur="1" fill="hold">
+                                          <p:stCondLst>
+                                            <p:cond delay="0"/>
+                                          </p:stCondLst>
+                                        </p:cTn>
+                                        <p:tgtEl>
+                                          <p:spTgt spid="9">
+                                            <p:txEl>
+                                              <p:pRg st="7" end="7"/>
+                                            </p:txEl>
+                                          </p:spTgt>
+                                        </p:tgtEl>
+                                        <p:attrNameLst>
+                                          <p:attrName>style.visibility</p:attrName>
+                                        </p:attrNameLst>
+                                      </p:cBhvr>
+                                      <p:to>
+                                        <p:strVal val="visible"/>
+                                      </p:to>
+                                    </p:set>
+                                  </p:childTnLst>
+                                </p:cTn>
+                              </p:par>
+                              <p:par>
+                                <p:cTn id="49" presetID="1" presetClass="exit" presetSubtype="0" fill="hold" nodeType="withEffect">
+                                  <p:stCondLst>
+                                    <p:cond delay="0"/>
+                                  </p:stCondLst>
+                                  <p:childTnLst>
+                                    <p:set>
+                                      <p:cBhvr>
+                                        <p:cTn id="50" dur="1" fill="hold">
+                                          <p:stCondLst>
+                                            <p:cond delay="0"/>
+                                          </p:stCondLst>
+                                        </p:cTn>
+                                        <p:tgtEl>
+                                          <p:spTgt spid="12"/>
+                                        </p:tgtEl>
+                                        <p:attrNameLst>
+                                          <p:attrName>style.visibility</p:attrName>
+                                        </p:attrNameLst>
+                                      </p:cBhvr>
+                                      <p:to>
+                                        <p:strVal val="hidden"/>
+                                      </p:to>
+                                    </p:set>
+                                  </p:childTnLst>
+                                </p:cTn>
+                              </p:par>
+                              <p:par>
+                                <p:cTn id="51" presetID="1" presetClass="entr" presetSubtype="0" fill="hold" nodeType="withEffect">
+                                  <p:stCondLst>
+                                    <p:cond delay="0"/>
+                                  </p:stCondLst>
+                                  <p:childTnLst>
+                                    <p:set>
+                                      <p:cBhvr>
+                                        <p:cTn id="52" dur="1" fill="hold">
+                                          <p:stCondLst>
+                                            <p:cond delay="0"/>
+                                          </p:stCondLst>
+                                        </p:cTn>
+                                        <p:tgtEl>
+                                          <p:spTgt spid="16"/>
+                                        </p:tgtEl>
+                                        <p:attrNameLst>
+                                          <p:attrName>style.visibility</p:attrName>
+                                        </p:attrNameLst>
+                                      </p:cBhvr>
+                                      <p:to>
+                                        <p:strVal val="visible"/>
+                                      </p:to>
+                                    </p:set>
+                                  </p:childTnLst>
+                                </p:cTn>
+                              </p:par>
+                              <p:par>
+                                <p:cTn id="53" presetID="1" presetClass="entr" presetSubtype="0" fill="hold" nodeType="withEffect">
+                                  <p:stCondLst>
+                                    <p:cond delay="0"/>
+                                  </p:stCondLst>
+                                  <p:childTnLst>
+                                    <p:set>
+                                      <p:cBhvr>
+                                        <p:cTn id="54" dur="1" fill="hold">
+                                          <p:stCondLst>
+                                            <p:cond delay="0"/>
+                                          </p:stCondLst>
+                                        </p:cTn>
+                                        <p:tgtEl>
+                                          <p:spTgt spid="18"/>
+                                        </p:tgtEl>
+                                        <p:attrNameLst>
+                                          <p:attrName>style.visibility</p:attrName>
+                                        </p:attrNameLst>
+                                      </p:cBhvr>
+                                      <p:to>
+                                        <p:strVal val="visible"/>
+                                      </p:to>
+                                    </p:set>
+                                  </p:childTnLst>
+                                </p:cTn>
+                              </p:par>
+                            </p:childTnLst>
+                          </p:cTn>
+                        </p:par>
+                      </p:childTnLst>
+                    </p:cTn>
+                  </p:par>
+                  <p:par>
+                    <p:cTn id="55" fill="hold">
+                      <p:stCondLst>
+                        <p:cond delay="indefinite"/>
+                      </p:stCondLst>
+                      <p:childTnLst>
+                        <p:par>
+                          <p:cTn id="56" fill="hold">
+                            <p:stCondLst>
+                              <p:cond delay="0"/>
+                            </p:stCondLst>
+                            <p:childTnLst>
+                              <p:par>
+                                <p:cTn id="57" presetID="1" presetClass="entr" presetSubtype="0" fill="hold" nodeType="clickEffect">
+                                  <p:stCondLst>
+                                    <p:cond delay="0"/>
+                                  </p:stCondLst>
+                                  <p:childTnLst>
+                                    <p:set>
+                                      <p:cBhvr>
+                                        <p:cTn id="58" dur="1" fill="hold">
+                                          <p:stCondLst>
+                                            <p:cond delay="0"/>
+                                          </p:stCondLst>
+                                        </p:cTn>
+                                        <p:tgtEl>
+                                          <p:spTgt spid="9">
+                                            <p:txEl>
+                                              <p:pRg st="8" end="8"/>
+                                            </p:txEl>
+                                          </p:spTgt>
+                                        </p:tgtEl>
+                                        <p:attrNameLst>
+                                          <p:attrName>style.visibility</p:attrName>
+                                        </p:attrNameLst>
+                                      </p:cBhvr>
+                                      <p:to>
+                                        <p:strVal val="visible"/>
+                                      </p:to>
+                                    </p:set>
+                                  </p:childTnLst>
+                                </p:cTn>
+                              </p:par>
+                              <p:par>
+                                <p:cTn id="59" presetID="1" presetClass="exit" presetSubtype="0" fill="hold" nodeType="withEffect">
+                                  <p:stCondLst>
+                                    <p:cond delay="0"/>
+                                  </p:stCondLst>
+                                  <p:childTnLst>
+                                    <p:set>
+                                      <p:cBhvr>
+                                        <p:cTn id="60" dur="1" fill="hold">
+                                          <p:stCondLst>
+                                            <p:cond delay="0"/>
+                                          </p:stCondLst>
+                                        </p:cTn>
+                                        <p:tgtEl>
+                                          <p:spTgt spid="16"/>
+                                        </p:tgtEl>
+                                        <p:attrNameLst>
+                                          <p:attrName>style.visibility</p:attrName>
+                                        </p:attrNameLst>
+                                      </p:cBhvr>
+                                      <p:to>
+                                        <p:strVal val="hidden"/>
+                                      </p:to>
+                                    </p:set>
+                                  </p:childTnLst>
+                                </p:cTn>
+                              </p:par>
+                              <p:par>
+                                <p:cTn id="61" presetID="1" presetClass="exit" presetSubtype="0" fill="hold" nodeType="withEffect">
+                                  <p:stCondLst>
+                                    <p:cond delay="0"/>
+                                  </p:stCondLst>
+                                  <p:childTnLst>
+                                    <p:set>
+                                      <p:cBhvr>
+                                        <p:cTn id="62" dur="1" fill="hold">
+                                          <p:stCondLst>
+                                            <p:cond delay="0"/>
+                                          </p:stCondLst>
+                                        </p:cTn>
+                                        <p:tgtEl>
+                                          <p:spTgt spid="18"/>
+                                        </p:tgtEl>
+                                        <p:attrNameLst>
+                                          <p:attrName>style.visibility</p:attrName>
+                                        </p:attrNameLst>
+                                      </p:cBhvr>
+                                      <p:to>
+                                        <p:strVal val="hidden"/>
+                                      </p:to>
+                                    </p:set>
+                                  </p:childTnLst>
+                                </p:cTn>
+                              </p:par>
+                              <p:par>
+                                <p:cTn id="63" presetID="1" presetClass="entr" presetSubtype="0" fill="hold" nodeType="withEffect">
+                                  <p:stCondLst>
+                                    <p:cond delay="0"/>
+                                  </p:stCondLst>
+                                  <p:childTnLst>
+                                    <p:set>
+                                      <p:cBhvr>
+                                        <p:cTn id="64" dur="1" fill="hold">
+                                          <p:stCondLst>
+                                            <p:cond delay="0"/>
+                                          </p:stCondLst>
+                                        </p:cTn>
+                                        <p:tgtEl>
+                                          <p:spTgt spid="20"/>
+                                        </p:tgtEl>
+                                        <p:attrNameLst>
+                                          <p:attrName>style.visibility</p:attrName>
+                                        </p:attrNameLst>
+                                      </p:cBhvr>
+                                      <p:to>
+                                        <p:strVal val="visible"/>
+                                      </p:to>
+                                    </p:set>
+                                  </p:childTnLst>
+                                </p:cTn>
+                              </p:par>
+                            </p:childTnLst>
+                          </p:cTn>
+                        </p:par>
+                      </p:childTnLst>
+                    </p:cTn>
+                  </p:par>
+                  <p:par>
+                    <p:cTn id="65" fill="hold">
+                      <p:stCondLst>
+                        <p:cond delay="indefinite"/>
+                      </p:stCondLst>
+                      <p:childTnLst>
+                        <p:par>
+                          <p:cTn id="66" fill="hold">
+                            <p:stCondLst>
+                              <p:cond delay="0"/>
+                            </p:stCondLst>
+                            <p:childTnLst>
+                              <p:par>
+                                <p:cTn id="67" presetID="1" presetClass="entr" presetSubtype="0" fill="hold" nodeType="clickEffect">
+                                  <p:stCondLst>
+                                    <p:cond delay="0"/>
+                                  </p:stCondLst>
+                                  <p:childTnLst>
+                                    <p:set>
+                                      <p:cBhvr>
+                                        <p:cTn id="68" dur="1" fill="hold">
+                                          <p:stCondLst>
+                                            <p:cond delay="0"/>
+                                          </p:stCondLst>
+                                        </p:cTn>
+                                        <p:tgtEl>
+                                          <p:spTgt spid="9">
+                                            <p:txEl>
+                                              <p:pRg st="9" end="9"/>
+                                            </p:txEl>
+                                          </p:spTgt>
+                                        </p:tgtEl>
+                                        <p:attrNameLst>
+                                          <p:attrName>style.visibility</p:attrName>
+                                        </p:attrNameLst>
+                                      </p:cBhvr>
+                                      <p:to>
+                                        <p:strVal val="visible"/>
+                                      </p:to>
+                                    </p:set>
+                                  </p:childTnLst>
+                                </p:cTn>
+                              </p:par>
+                              <p:par>
+                                <p:cTn id="69" presetID="1" presetClass="exit" presetSubtype="0" fill="hold" nodeType="withEffect">
+                                  <p:stCondLst>
+                                    <p:cond delay="0"/>
+                                  </p:stCondLst>
+                                  <p:childTnLst>
+                                    <p:set>
+                                      <p:cBhvr>
+                                        <p:cTn id="70" dur="1" fill="hold">
+                                          <p:stCondLst>
+                                            <p:cond delay="0"/>
+                                          </p:stCondLst>
+                                        </p:cTn>
+                                        <p:tgtEl>
+                                          <p:spTgt spid="20"/>
+                                        </p:tgtEl>
+                                        <p:attrNameLst>
+                                          <p:attrName>style.visibility</p:attrName>
+                                        </p:attrNameLst>
+                                      </p:cBhvr>
+                                      <p:to>
+                                        <p:strVal val="hidden"/>
+                                      </p:to>
+                                    </p:set>
+                                  </p:childTnLst>
+                                </p:cTn>
+                              </p:par>
+                              <p:par>
+                                <p:cTn id="71" presetID="1" presetClass="entr" presetSubtype="0" fill="hold" nodeType="withEffect">
+                                  <p:stCondLst>
+                                    <p:cond delay="0"/>
+                                  </p:stCondLst>
+                                  <p:childTnLst>
+                                    <p:set>
+                                      <p:cBhvr>
+                                        <p:cTn id="72" dur="1" fill="hold">
+                                          <p:stCondLst>
+                                            <p:cond delay="0"/>
+                                          </p:stCondLst>
+                                        </p:cTn>
+                                        <p:tgtEl>
+                                          <p:spTgt spid="22"/>
+                                        </p:tgtEl>
+                                        <p:attrNameLst>
+                                          <p:attrName>style.visibility</p:attrName>
+                                        </p:attrNameLst>
+                                      </p:cBhvr>
+                                      <p:to>
+                                        <p:strVal val="visible"/>
+                                      </p:to>
+                                    </p:set>
+                                  </p:childTnLst>
+                                </p:cTn>
+                              </p:par>
+                            </p:childTnLst>
+                          </p:cTn>
+                        </p:par>
+                      </p:childTnLst>
+                    </p:cTn>
+                  </p:par>
+                </p:childTnLst>
+              </p:cTn>
+              <p:prevCondLst>
+                <p:cond evt="onPrev" delay="0">
+                  <p:tgtEl>
+                    <p:sldTgt/>
+                  </p:tgtEl>
+                </p:cond>
+              </p:prevCondLst>
+              <p:nextCondLst>
+                <p:cond evt="onNext" delay="0">
+                  <p:tgtEl>
+                    <p:sldTgt/>
+                  </p:tgtEl>
+                </p:cond>
+              </p:nextCondLst>
+            </p:seq>
+          </p:childTnLst>
+        </p:cTn>
+      </p:par>
+    </p:tnLst>
+  </p:timing>
+</p:sld>
+</file>
+
+<file path=ppt/slides/slide4.xml><?xml version="1.0" encoding="utf-8"?>
+<p:sld xmlns:a="http://schemas.openxmlformats.org/drawingml/2006/main" xmlns:r="http://schemas.openxmlformats.org/officeDocument/2006/relationships" xmlns:p="http://schemas.openxmlformats.org/presentationml/2006/main">
+  <p:cSld>
+    <p:bg>
+      <p:bgPr>
+        <a:solidFill>
+          <a:schemeClr val="bg1"/>
+        </a:solidFill>
+        <a:effectLst/>
+      </p:bgPr>
+    </p:bg>
+    <p:spTree>
+      <p:nvGrpSpPr>
+        <p:cNvPr id="1" name=""/>
+        <p:cNvGrpSpPr/>
+        <p:nvPr/>
+      </p:nvGrpSpPr>
+      <p:grpSpPr>
+        <a:xfrm>
+          <a:off x="0" y="0"/>
+          <a:ext cx="0" cy="0"/>
+          <a:chOff x="0" y="0"/>
+          <a:chExt cx="0" cy="0"/>
+        </a:xfrm>
+      </p:grpSpPr>
+      <p:sp>
+        <p:nvSpPr>
+          <p:cNvPr id="4" name="Title 3">
+            <a:extLst>
+              <a:ext uri="{FF2B5EF4-FFF2-40B4-BE49-F238E27FC236}">
+                <a16:creationId xmlns:a16="http://schemas.microsoft.com/office/drawing/2014/main" id="{17158F45-5A3E-41C9-BD03-55EC547DE3FE}"/>
+              </a:ext>
+            </a:extLst>
+          </p:cNvPr>
+          <p:cNvSpPr>
+            <a:spLocks noGrp="1"/>
+          </p:cNvSpPr>
+          <p:nvPr>
+            <p:ph type="title"/>
+          </p:nvPr>
+        </p:nvSpPr>
+        <p:spPr/>
+        <p:txBody>
+          <a:bodyPr/>
+          <a:lstStyle/>
+          <a:p>
+            <a:r>
+              <a:rPr lang="en-US" dirty="0"/>
+              <a:t>Pre-built UI components</a:t>
+            </a:r>
+          </a:p>
+        </p:txBody>
+      </p:sp>
+      <p:sp>
+        <p:nvSpPr>
+          <p:cNvPr id="9" name="Content Placeholder 8">
+            <a:extLst>
+              <a:ext uri="{FF2B5EF4-FFF2-40B4-BE49-F238E27FC236}">
+                <a16:creationId xmlns:a16="http://schemas.microsoft.com/office/drawing/2014/main" id="{9019EBDA-4F12-443A-9A86-196F81C14DFC}"/>
+              </a:ext>
+            </a:extLst>
+          </p:cNvPr>
+          <p:cNvSpPr>
+            <a:spLocks noGrp="1"/>
+          </p:cNvSpPr>
+          <p:nvPr>
+            <p:ph idx="1"/>
+          </p:nvPr>
+        </p:nvSpPr>
+        <p:spPr>
+          <a:xfrm>
+            <a:off x="1066801" y="2103120"/>
+            <a:ext cx="4235042" cy="3849624"/>
+          </a:xfrm>
+        </p:spPr>
+        <p:txBody>
+          <a:bodyPr>
+            <a:normAutofit/>
+          </a:bodyPr>
+          <a:lstStyle/>
+          <a:p>
+            <a:r>
+              <a:rPr lang="en-US" sz="1600" dirty="0"/>
+              <a:t>Designed for quick implementation, not necessary</a:t>
+            </a:r>
+          </a:p>
+          <a:p>
+            <a:r>
+              <a:rPr lang="en-US" sz="1600" dirty="0"/>
+              <a:t>UI components for multiple frameworks (such as React, Angular, Vue)</a:t>
+            </a:r>
+          </a:p>
+          <a:p>
+            <a:r>
+              <a:rPr lang="en-US" sz="1600" dirty="0"/>
+              <a:t>Auth</a:t>
+            </a:r>
+          </a:p>
+          <a:p>
+            <a:pPr lvl="1"/>
+            <a:r>
+              <a:rPr lang="en-US" sz="1400" dirty="0"/>
+              <a:t>AmplifySignUp</a:t>
+            </a:r>
+          </a:p>
+          <a:p>
+            <a:pPr lvl="1"/>
+            <a:r>
+              <a:rPr lang="en-US" sz="1400" dirty="0"/>
+              <a:t>AmplifySignIn</a:t>
+            </a:r>
+          </a:p>
+          <a:p>
+            <a:pPr lvl="1"/>
+            <a:r>
+              <a:rPr lang="en-US" sz="1400" dirty="0"/>
+              <a:t>AmplifyForgotPassword</a:t>
+            </a:r>
+            <a:endParaRPr lang="en-US" sz="1600" dirty="0"/>
+          </a:p>
+          <a:p>
+            <a:r>
+              <a:rPr lang="en-US" sz="1600" dirty="0"/>
+              <a:t>Chatbot</a:t>
+            </a:r>
+          </a:p>
+        </p:txBody>
+      </p:sp>
+      <p:grpSp>
+        <p:nvGrpSpPr>
+          <p:cNvPr id="14" name="Group 13">
+            <a:extLst>
+              <a:ext uri="{FF2B5EF4-FFF2-40B4-BE49-F238E27FC236}">
+                <a16:creationId xmlns:a16="http://schemas.microsoft.com/office/drawing/2014/main" id="{489297C8-13DC-498D-9550-8C76A6874921}"/>
+              </a:ext>
+            </a:extLst>
+          </p:cNvPr>
+          <p:cNvGrpSpPr/>
+          <p:nvPr/>
+        </p:nvGrpSpPr>
+        <p:grpSpPr>
+          <a:xfrm>
+            <a:off x="6096000" y="2013745"/>
+            <a:ext cx="4188226" cy="1362715"/>
+            <a:chOff x="6096000" y="2013745"/>
+            <a:chExt cx="4188226" cy="1362715"/>
+          </a:xfrm>
+        </p:grpSpPr>
+        <p:pic>
+          <p:nvPicPr>
+            <p:cNvPr id="3" name="Picture 2">
+              <a:extLst>
+                <a:ext uri="{FF2B5EF4-FFF2-40B4-BE49-F238E27FC236}">
+                  <a16:creationId xmlns:a16="http://schemas.microsoft.com/office/drawing/2014/main" id="{98755856-CC9A-46C3-8E2C-AFCE88FC5351}"/>
+                </a:ext>
+              </a:extLst>
+            </p:cNvPr>
+            <p:cNvPicPr>
+              <a:picLocks noChangeAspect="1"/>
+            </p:cNvPicPr>
+            <p:nvPr/>
+          </p:nvPicPr>
+          <p:blipFill>
+            <a:blip r:embed="rId2"/>
+            <a:stretch>
+              <a:fillRect/>
+            </a:stretch>
+          </p:blipFill>
+          <p:spPr>
+            <a:xfrm>
+              <a:off x="6096000" y="2014194"/>
+              <a:ext cx="1409897" cy="1362265"/>
+            </a:xfrm>
+            <a:prstGeom prst="rect">
+              <a:avLst/>
+            </a:prstGeom>
+          </p:spPr>
+        </p:pic>
+        <p:pic>
+          <p:nvPicPr>
+            <p:cNvPr id="8" name="Picture 7">
+              <a:extLst>
+                <a:ext uri="{FF2B5EF4-FFF2-40B4-BE49-F238E27FC236}">
+                  <a16:creationId xmlns:a16="http://schemas.microsoft.com/office/drawing/2014/main" id="{665D46D5-D223-4612-A6A0-577F475AD23B}"/>
+                </a:ext>
+              </a:extLst>
+            </p:cNvPr>
+            <p:cNvPicPr>
+              <a:picLocks noChangeAspect="1"/>
+            </p:cNvPicPr>
+            <p:nvPr/>
+          </p:nvPicPr>
+          <p:blipFill>
+            <a:blip r:embed="rId3"/>
+            <a:stretch>
+              <a:fillRect/>
+            </a:stretch>
+          </p:blipFill>
+          <p:spPr>
+            <a:xfrm>
+              <a:off x="7505897" y="2013745"/>
+              <a:ext cx="1333303" cy="1362714"/>
+            </a:xfrm>
+            <a:prstGeom prst="rect">
+              <a:avLst/>
+            </a:prstGeom>
+          </p:spPr>
+        </p:pic>
+        <p:pic>
+          <p:nvPicPr>
+            <p:cNvPr id="13" name="Picture 12">
+              <a:extLst>
+                <a:ext uri="{FF2B5EF4-FFF2-40B4-BE49-F238E27FC236}">
+                  <a16:creationId xmlns:a16="http://schemas.microsoft.com/office/drawing/2014/main" id="{355CD7B9-E546-4CE0-BC2B-92C5AC2ADE8E}"/>
+                </a:ext>
+              </a:extLst>
+            </p:cNvPr>
+            <p:cNvPicPr>
+              <a:picLocks noChangeAspect="1"/>
+            </p:cNvPicPr>
+            <p:nvPr/>
+          </p:nvPicPr>
+          <p:blipFill>
+            <a:blip r:embed="rId4"/>
+            <a:stretch>
+              <a:fillRect/>
+            </a:stretch>
+          </p:blipFill>
+          <p:spPr>
+            <a:xfrm>
+              <a:off x="8839200" y="2013746"/>
+              <a:ext cx="1445026" cy="1362714"/>
+            </a:xfrm>
+            <a:prstGeom prst="rect">
+              <a:avLst/>
+            </a:prstGeom>
+          </p:spPr>
+        </p:pic>
+      </p:grpSp>
+      <p:pic>
+        <p:nvPicPr>
+          <p:cNvPr id="16" name="Picture 15" descr="Graphical user interface, application, website&#10;&#10;Description automatically generated">
+            <a:extLst>
+              <a:ext uri="{FF2B5EF4-FFF2-40B4-BE49-F238E27FC236}">
+                <a16:creationId xmlns:a16="http://schemas.microsoft.com/office/drawing/2014/main" id="{495F7BF9-1E60-408A-B505-E1E2E8708DA5}"/>
+              </a:ext>
+            </a:extLst>
+          </p:cNvPr>
+          <p:cNvPicPr>
+            <a:picLocks noChangeAspect="1"/>
+          </p:cNvPicPr>
+          <p:nvPr/>
+        </p:nvPicPr>
+        <p:blipFill>
+          <a:blip r:embed="rId5"/>
+          <a:stretch>
+            <a:fillRect/>
+          </a:stretch>
+        </p:blipFill>
+        <p:spPr>
+          <a:xfrm>
+            <a:off x="5790821" y="1764827"/>
+            <a:ext cx="3430151" cy="4254592"/>
+          </a:xfrm>
+          <a:prstGeom prst="rect">
+            <a:avLst/>
+          </a:prstGeom>
+        </p:spPr>
+      </p:pic>
+      <p:pic>
+        <p:nvPicPr>
+          <p:cNvPr id="18" name="Picture 17" descr="Graphical user interface, application, website&#10;&#10;Description automatically generated">
+            <a:extLst>
+              <a:ext uri="{FF2B5EF4-FFF2-40B4-BE49-F238E27FC236}">
+                <a16:creationId xmlns:a16="http://schemas.microsoft.com/office/drawing/2014/main" id="{3B6C0EBD-B663-40B2-92A0-60F6BDCAE4EC}"/>
+              </a:ext>
+            </a:extLst>
+          </p:cNvPr>
+          <p:cNvPicPr>
+            <a:picLocks noChangeAspect="1"/>
+          </p:cNvPicPr>
+          <p:nvPr/>
+        </p:nvPicPr>
+        <p:blipFill>
+          <a:blip r:embed="rId6"/>
+          <a:stretch>
+            <a:fillRect/>
+          </a:stretch>
+        </p:blipFill>
+        <p:spPr>
+          <a:xfrm>
+            <a:off x="5790821" y="1764827"/>
+            <a:ext cx="3430151" cy="3105189"/>
+          </a:xfrm>
+          <a:prstGeom prst="rect">
+            <a:avLst/>
+          </a:prstGeom>
+        </p:spPr>
+      </p:pic>
+      <p:pic>
+        <p:nvPicPr>
+          <p:cNvPr id="20" name="Picture 19" descr="Graphical user interface, application&#10;&#10;Description automatically generated">
+            <a:extLst>
+              <a:ext uri="{FF2B5EF4-FFF2-40B4-BE49-F238E27FC236}">
+                <a16:creationId xmlns:a16="http://schemas.microsoft.com/office/drawing/2014/main" id="{676775ED-79DF-4DE9-89F7-7D7FCDB81E5F}"/>
+              </a:ext>
+            </a:extLst>
+          </p:cNvPr>
+          <p:cNvPicPr>
+            <a:picLocks noChangeAspect="1"/>
+          </p:cNvPicPr>
+          <p:nvPr/>
+        </p:nvPicPr>
+        <p:blipFill>
+          <a:blip r:embed="rId7"/>
+          <a:stretch>
+            <a:fillRect/>
+          </a:stretch>
+        </p:blipFill>
+        <p:spPr>
+          <a:xfrm>
+            <a:off x="5790821" y="1764828"/>
+            <a:ext cx="4790456" cy="3078980"/>
+          </a:xfrm>
+          <a:prstGeom prst="rect">
+            <a:avLst/>
+          </a:prstGeom>
+        </p:spPr>
+      </p:pic>
+      <p:pic>
+        <p:nvPicPr>
+          <p:cNvPr id="22" name="Picture 21" descr="Graphical user interface, text, application&#10;&#10;Description automatically generated">
+            <a:extLst>
+              <a:ext uri="{FF2B5EF4-FFF2-40B4-BE49-F238E27FC236}">
+                <a16:creationId xmlns:a16="http://schemas.microsoft.com/office/drawing/2014/main" id="{CCB8F4A6-C6F9-44CB-93D0-14640623929A}"/>
+              </a:ext>
+            </a:extLst>
+          </p:cNvPr>
+          <p:cNvPicPr>
+            <a:picLocks noChangeAspect="1"/>
+          </p:cNvPicPr>
+          <p:nvPr/>
+        </p:nvPicPr>
+        <p:blipFill>
+          <a:blip r:embed="rId8"/>
+          <a:stretch>
+            <a:fillRect/>
+          </a:stretch>
+        </p:blipFill>
+        <p:spPr>
+          <a:xfrm>
+            <a:off x="5790821" y="1764826"/>
+            <a:ext cx="3430151" cy="4458236"/>
+          </a:xfrm>
+          <a:prstGeom prst="rect">
+            <a:avLst/>
+          </a:prstGeom>
+        </p:spPr>
+      </p:pic>
+    </p:spTree>
+    <p:extLst>
+      <p:ext uri="{BB962C8B-B14F-4D97-AF65-F5344CB8AC3E}">
+        <p14:creationId xmlns:p14="http://schemas.microsoft.com/office/powerpoint/2010/main" val="3346799384"/>
+      </p:ext>
+    </p:extLst>
+  </p:cSld>
+  <p:clrMapOvr>
+    <a:masterClrMapping/>
+  </p:clrMapOvr>
+  <p:timing>
+    <p:tnLst>
+      <p:par>
+        <p:cTn id="1" dur="indefinite" restart="never" nodeType="tmRoot">
+          <p:childTnLst>
+            <p:seq concurrent="1" nextAc="seek">
+              <p:cTn id="2" dur="indefinite" nodeType="mainSeq">
+                <p:childTnLst>
+                  <p:par>
+                    <p:cTn id="3" fill="hold">
+                      <p:stCondLst>
+                        <p:cond delay="indefinite"/>
+                      </p:stCondLst>
+                      <p:childTnLst>
+                        <p:par>
+                          <p:cTn id="4" fill="hold">
+                            <p:stCondLst>
+                              <p:cond delay="0"/>
+                            </p:stCondLst>
+                            <p:childTnLst>
+                              <p:par>
+                                <p:cTn id="5" presetID="1" presetClass="entr" presetSubtype="0" fill="hold" nodeType="clickEffect">
+                                  <p:stCondLst>
+                                    <p:cond delay="0"/>
+                                  </p:stCondLst>
+                                  <p:childTnLst>
+                                    <p:set>
+                                      <p:cBhvr>
+                                        <p:cTn id="6" dur="1" fill="hold">
+                                          <p:stCondLst>
+                                            <p:cond delay="0"/>
+                                          </p:stCondLst>
+                                        </p:cTn>
+                                        <p:tgtEl>
+                                          <p:spTgt spid="9">
+                                            <p:txEl>
+                                              <p:pRg st="0" end="0"/>
+                                            </p:txEl>
+                                          </p:spTgt>
+                                        </p:tgtEl>
+                                        <p:attrNameLst>
+                                          <p:attrName>style.visibility</p:attrName>
+                                        </p:attrNameLst>
+                                      </p:cBhvr>
+                                      <p:to>
+                                        <p:strVal val="visible"/>
+                                      </p:to>
+                                    </p:set>
+                                  </p:childTnLst>
+                                </p:cTn>
+                              </p:par>
+                            </p:childTnLst>
+                          </p:cTn>
+                        </p:par>
+                      </p:childTnLst>
+                    </p:cTn>
+                  </p:par>
+                  <p:par>
+                    <p:cTn id="7" fill="hold">
+                      <p:stCondLst>
+                        <p:cond delay="indefinite"/>
+                      </p:stCondLst>
+                      <p:childTnLst>
+                        <p:par>
+                          <p:cTn id="8" fill="hold">
+                            <p:stCondLst>
+                              <p:cond delay="0"/>
+                            </p:stCondLst>
+                            <p:childTnLst>
+                              <p:par>
+                                <p:cTn id="9" presetID="1" presetClass="entr" presetSubtype="0" fill="hold" nodeType="clickEffect">
+                                  <p:stCondLst>
+                                    <p:cond delay="0"/>
+                                  </p:stCondLst>
+                                  <p:childTnLst>
+                                    <p:set>
+                                      <p:cBhvr>
+                                        <p:cTn id="10" dur="1" fill="hold">
+                                          <p:stCondLst>
+                                            <p:cond delay="0"/>
+                                          </p:stCondLst>
+                                        </p:cTn>
+                                        <p:tgtEl>
+                                          <p:spTgt spid="9">
+                                            <p:txEl>
+                                              <p:pRg st="1" end="1"/>
+                                            </p:txEl>
+                                          </p:spTgt>
+                                        </p:tgtEl>
+                                        <p:attrNameLst>
+                                          <p:attrName>style.visibility</p:attrName>
+                                        </p:attrNameLst>
+                                      </p:cBhvr>
+                                      <p:to>
+                                        <p:strVal val="visible"/>
+                                      </p:to>
+                                    </p:set>
+                                  </p:childTnLst>
+                                </p:cTn>
+                              </p:par>
+                              <p:par>
+                                <p:cTn id="11" presetID="1" presetClass="entr" presetSubtype="0" fill="hold" nodeType="withEffect">
+                                  <p:stCondLst>
+                                    <p:cond delay="0"/>
+                                  </p:stCondLst>
+                                  <p:childTnLst>
+                                    <p:set>
+                                      <p:cBhvr>
+                                        <p:cTn id="12" dur="1" fill="hold">
+                                          <p:stCondLst>
+                                            <p:cond delay="0"/>
+                                          </p:stCondLst>
+                                        </p:cTn>
+                                        <p:tgtEl>
+                                          <p:spTgt spid="14"/>
+                                        </p:tgtEl>
+                                        <p:attrNameLst>
+                                          <p:attrName>style.visibility</p:attrName>
+                                        </p:attrNameLst>
+                                      </p:cBhvr>
+                                      <p:to>
+                                        <p:strVal val="visible"/>
+                                      </p:to>
+                                    </p:set>
+                                  </p:childTnLst>
+                                </p:cTn>
+                              </p:par>
+                            </p:childTnLst>
+                          </p:cTn>
+                        </p:par>
+                      </p:childTnLst>
+                    </p:cTn>
+                  </p:par>
+                  <p:par>
+                    <p:cTn id="13" fill="hold">
+                      <p:stCondLst>
+                        <p:cond delay="indefinite"/>
+                      </p:stCondLst>
+                      <p:childTnLst>
+                        <p:par>
+                          <p:cTn id="14" fill="hold">
+                            <p:stCondLst>
+                              <p:cond delay="0"/>
+                            </p:stCondLst>
+                            <p:childTnLst>
+                              <p:par>
+                                <p:cTn id="15" presetID="1" presetClass="entr" presetSubtype="0" fill="hold" nodeType="clickEffect">
+                                  <p:stCondLst>
+                                    <p:cond delay="0"/>
+                                  </p:stCondLst>
+                                  <p:childTnLst>
+                                    <p:set>
+                                      <p:cBhvr>
+                                        <p:cTn id="16" dur="1" fill="hold">
+                                          <p:stCondLst>
+                                            <p:cond delay="0"/>
+                                          </p:stCondLst>
+                                        </p:cTn>
+                                        <p:tgtEl>
+                                          <p:spTgt spid="9">
+                                            <p:txEl>
+                                              <p:pRg st="2" end="2"/>
+                                            </p:txEl>
+                                          </p:spTgt>
+                                        </p:tgtEl>
+                                        <p:attrNameLst>
+                                          <p:attrName>style.visibility</p:attrName>
+                                        </p:attrNameLst>
+                                      </p:cBhvr>
+                                      <p:to>
+                                        <p:strVal val="visible"/>
+                                      </p:to>
+                                    </p:set>
+                                  </p:childTnLst>
+                                </p:cTn>
+                              </p:par>
+                              <p:par>
+                                <p:cTn id="17" presetID="1" presetClass="exit" presetSubtype="0" fill="hold" nodeType="withEffect">
+                                  <p:stCondLst>
+                                    <p:cond delay="0"/>
+                                  </p:stCondLst>
+                                  <p:childTnLst>
+                                    <p:set>
+                                      <p:cBhvr>
+                                        <p:cTn id="18" dur="1" fill="hold">
+                                          <p:stCondLst>
+                                            <p:cond delay="0"/>
+                                          </p:stCondLst>
+                                        </p:cTn>
+                                        <p:tgtEl>
+                                          <p:spTgt spid="14"/>
+                                        </p:tgtEl>
+                                        <p:attrNameLst>
+                                          <p:attrName>style.visibility</p:attrName>
+                                        </p:attrNameLst>
+                                      </p:cBhvr>
+                                      <p:to>
+                                        <p:strVal val="hidden"/>
+                                      </p:to>
+                                    </p:set>
+                                  </p:childTnLst>
+                                </p:cTn>
+                              </p:par>
+                            </p:childTnLst>
+                          </p:cTn>
+                        </p:par>
+                      </p:childTnLst>
+                    </p:cTn>
+                  </p:par>
+                  <p:par>
+                    <p:cTn id="19" fill="hold">
+                      <p:stCondLst>
+                        <p:cond delay="indefinite"/>
+                      </p:stCondLst>
+                      <p:childTnLst>
+                        <p:par>
+                          <p:cTn id="20" fill="hold">
+                            <p:stCondLst>
+                              <p:cond delay="0"/>
+                            </p:stCondLst>
+                            <p:childTnLst>
+                              <p:par>
+                                <p:cTn id="21" presetID="1" presetClass="entr" presetSubtype="0" fill="hold" nodeType="clickEffect">
+                                  <p:stCondLst>
+                                    <p:cond delay="0"/>
+                                  </p:stCondLst>
+                                  <p:childTnLst>
+                                    <p:set>
+                                      <p:cBhvr>
+                                        <p:cTn id="22" dur="1" fill="hold">
+                                          <p:stCondLst>
+                                            <p:cond delay="0"/>
+                                          </p:stCondLst>
+                                        </p:cTn>
+                                        <p:tgtEl>
+                                          <p:spTgt spid="9">
+                                            <p:txEl>
+                                              <p:pRg st="3" end="3"/>
+                                            </p:txEl>
+                                          </p:spTgt>
+                                        </p:tgtEl>
+                                        <p:attrNameLst>
+                                          <p:attrName>style.visibility</p:attrName>
+                                        </p:attrNameLst>
+                                      </p:cBhvr>
+                                      <p:to>
+                                        <p:strVal val="visible"/>
+                                      </p:to>
+                                    </p:set>
+                                  </p:childTnLst>
+                                </p:cTn>
+                              </p:par>
+                              <p:par>
+                                <p:cTn id="23" presetID="1" presetClass="entr" presetSubtype="0" fill="hold" nodeType="withEffect">
+                                  <p:stCondLst>
+                                    <p:cond delay="0"/>
+                                  </p:stCondLst>
+                                  <p:childTnLst>
+                                    <p:set>
+                                      <p:cBhvr>
+                                        <p:cTn id="24" dur="1" fill="hold">
+                                          <p:stCondLst>
+                                            <p:cond delay="0"/>
+                                          </p:stCondLst>
+                                        </p:cTn>
+                                        <p:tgtEl>
+                                          <p:spTgt spid="16"/>
+                                        </p:tgtEl>
+                                        <p:attrNameLst>
+                                          <p:attrName>style.visibility</p:attrName>
+                                        </p:attrNameLst>
+                                      </p:cBhvr>
+                                      <p:to>
+                                        <p:strVal val="visible"/>
+                                      </p:to>
+                                    </p:set>
+                                  </p:childTnLst>
+                                </p:cTn>
+                              </p:par>
+                            </p:childTnLst>
+                          </p:cTn>
+                        </p:par>
+                      </p:childTnLst>
+                    </p:cTn>
+                  </p:par>
+                  <p:par>
+                    <p:cTn id="25" fill="hold">
+                      <p:stCondLst>
+                        <p:cond delay="indefinite"/>
+                      </p:stCondLst>
+                      <p:childTnLst>
+                        <p:par>
+                          <p:cTn id="26" fill="hold">
+                            <p:stCondLst>
+                              <p:cond delay="0"/>
+                            </p:stCondLst>
+                            <p:childTnLst>
+                              <p:par>
+                                <p:cTn id="27" presetID="1" presetClass="entr" presetSubtype="0" fill="hold" nodeType="clickEffect">
+                                  <p:stCondLst>
+                                    <p:cond delay="0"/>
+                                  </p:stCondLst>
+                                  <p:childTnLst>
+                                    <p:set>
+                                      <p:cBhvr>
+                                        <p:cTn id="28" dur="1" fill="hold">
+                                          <p:stCondLst>
+                                            <p:cond delay="0"/>
+                                          </p:stCondLst>
+                                        </p:cTn>
+                                        <p:tgtEl>
+                                          <p:spTgt spid="9">
+                                            <p:txEl>
+                                              <p:pRg st="4" end="4"/>
+                                            </p:txEl>
+                                          </p:spTgt>
+                                        </p:tgtEl>
+                                        <p:attrNameLst>
+                                          <p:attrName>style.visibility</p:attrName>
+                                        </p:attrNameLst>
+                                      </p:cBhvr>
+                                      <p:to>
+                                        <p:strVal val="visible"/>
+                                      </p:to>
+                                    </p:set>
+                                  </p:childTnLst>
+                                </p:cTn>
+                              </p:par>
+                              <p:par>
+                                <p:cTn id="29" presetID="1" presetClass="exit" presetSubtype="0" fill="hold" nodeType="withEffect">
+                                  <p:stCondLst>
+                                    <p:cond delay="0"/>
+                                  </p:stCondLst>
+                                  <p:childTnLst>
+                                    <p:set>
+                                      <p:cBhvr>
+                                        <p:cTn id="30" dur="1" fill="hold">
+                                          <p:stCondLst>
+                                            <p:cond delay="0"/>
+                                          </p:stCondLst>
+                                        </p:cTn>
+                                        <p:tgtEl>
+                                          <p:spTgt spid="16"/>
+                                        </p:tgtEl>
+                                        <p:attrNameLst>
+                                          <p:attrName>style.visibility</p:attrName>
+                                        </p:attrNameLst>
+                                      </p:cBhvr>
+                                      <p:to>
+                                        <p:strVal val="hidden"/>
+                                      </p:to>
+                                    </p:set>
+                                  </p:childTnLst>
+                                </p:cTn>
+                              </p:par>
+                              <p:par>
+                                <p:cTn id="31" presetID="1" presetClass="entr" presetSubtype="0" fill="hold" nodeType="withEffect">
+                                  <p:stCondLst>
+                                    <p:cond delay="0"/>
+                                  </p:stCondLst>
+                                  <p:childTnLst>
+                                    <p:set>
+                                      <p:cBhvr>
+                                        <p:cTn id="32" dur="1" fill="hold">
+                                          <p:stCondLst>
+                                            <p:cond delay="0"/>
+                                          </p:stCondLst>
+                                        </p:cTn>
+                                        <p:tgtEl>
+                                          <p:spTgt spid="18"/>
+                                        </p:tgtEl>
+                                        <p:attrNameLst>
+                                          <p:attrName>style.visibility</p:attrName>
+                                        </p:attrNameLst>
+                                      </p:cBhvr>
+                                      <p:to>
+                                        <p:strVal val="visible"/>
+                                      </p:to>
+                                    </p:set>
+                                  </p:childTnLst>
+                                </p:cTn>
+                              </p:par>
+                            </p:childTnLst>
+                          </p:cTn>
+                        </p:par>
+                      </p:childTnLst>
+                    </p:cTn>
+                  </p:par>
+                  <p:par>
+                    <p:cTn id="33" fill="hold">
+                      <p:stCondLst>
+                        <p:cond delay="indefinite"/>
+                      </p:stCondLst>
+                      <p:childTnLst>
+                        <p:par>
+                          <p:cTn id="34" fill="hold">
+                            <p:stCondLst>
+                              <p:cond delay="0"/>
+                            </p:stCondLst>
+                            <p:childTnLst>
+                              <p:par>
+                                <p:cTn id="35" presetID="1" presetClass="entr" presetSubtype="0" fill="hold" nodeType="clickEffect">
+                                  <p:stCondLst>
+                                    <p:cond delay="0"/>
+                                  </p:stCondLst>
+                                  <p:childTnLst>
+                                    <p:set>
+                                      <p:cBhvr>
+                                        <p:cTn id="36" dur="1" fill="hold">
+                                          <p:stCondLst>
+                                            <p:cond delay="0"/>
+                                          </p:stCondLst>
+                                        </p:cTn>
+                                        <p:tgtEl>
+                                          <p:spTgt spid="9">
+                                            <p:txEl>
+                                              <p:pRg st="5" end="5"/>
+                                            </p:txEl>
+                                          </p:spTgt>
+                                        </p:tgtEl>
+                                        <p:attrNameLst>
+                                          <p:attrName>style.visibility</p:attrName>
+                                        </p:attrNameLst>
+                                      </p:cBhvr>
+                                      <p:to>
+                                        <p:strVal val="visible"/>
+                                      </p:to>
+                                    </p:set>
+                                  </p:childTnLst>
+                                </p:cTn>
+                              </p:par>
+                              <p:par>
+                                <p:cTn id="37" presetID="1" presetClass="exit" presetSubtype="0" fill="hold" nodeType="withEffect">
+                                  <p:stCondLst>
+                                    <p:cond delay="0"/>
+                                  </p:stCondLst>
+                                  <p:childTnLst>
+                                    <p:set>
+                                      <p:cBhvr>
+                                        <p:cTn id="38" dur="1" fill="hold">
+                                          <p:stCondLst>
+                                            <p:cond delay="0"/>
+                                          </p:stCondLst>
+                                        </p:cTn>
+                                        <p:tgtEl>
+                                          <p:spTgt spid="18"/>
+                                        </p:tgtEl>
+                                        <p:attrNameLst>
+                                          <p:attrName>style.visibility</p:attrName>
+                                        </p:attrNameLst>
+                                      </p:cBhvr>
+                                      <p:to>
+                                        <p:strVal val="hidden"/>
+                                      </p:to>
+                                    </p:set>
+                                  </p:childTnLst>
+                                </p:cTn>
+                              </p:par>
+                              <p:par>
+                                <p:cTn id="39" presetID="1" presetClass="entr" presetSubtype="0" fill="hold" nodeType="withEffect">
+                                  <p:stCondLst>
+                                    <p:cond delay="0"/>
+                                  </p:stCondLst>
+                                  <p:childTnLst>
+                                    <p:set>
+                                      <p:cBhvr>
+                                        <p:cTn id="40" dur="1" fill="hold">
+                                          <p:stCondLst>
+                                            <p:cond delay="0"/>
+                                          </p:stCondLst>
+                                        </p:cTn>
+                                        <p:tgtEl>
+                                          <p:spTgt spid="20"/>
+                                        </p:tgtEl>
+                                        <p:attrNameLst>
+                                          <p:attrName>style.visibility</p:attrName>
+                                        </p:attrNameLst>
+                                      </p:cBhvr>
+                                      <p:to>
+                                        <p:strVal val="visible"/>
+                                      </p:to>
+                                    </p:set>
+                                  </p:childTnLst>
+                                </p:cTn>
+                              </p:par>
+                            </p:childTnLst>
+                          </p:cTn>
+                        </p:par>
+                      </p:childTnLst>
+                    </p:cTn>
+                  </p:par>
+                  <p:par>
+                    <p:cTn id="41" fill="hold">
+                      <p:stCondLst>
+                        <p:cond delay="indefinite"/>
+                      </p:stCondLst>
+                      <p:childTnLst>
+                        <p:par>
+                          <p:cTn id="42" fill="hold">
+                            <p:stCondLst>
+                              <p:cond delay="0"/>
+                            </p:stCondLst>
+                            <p:childTnLst>
+                              <p:par>
+                                <p:cTn id="43" presetID="1" presetClass="entr" presetSubtype="0" fill="hold" nodeType="clickEffect">
+                                  <p:stCondLst>
+                                    <p:cond delay="0"/>
+                                  </p:stCondLst>
+                                  <p:childTnLst>
+                                    <p:set>
+                                      <p:cBhvr>
+                                        <p:cTn id="44" dur="1" fill="hold">
+                                          <p:stCondLst>
+                                            <p:cond delay="0"/>
+                                          </p:stCondLst>
+                                        </p:cTn>
+                                        <p:tgtEl>
+                                          <p:spTgt spid="9">
+                                            <p:txEl>
+                                              <p:pRg st="6" end="6"/>
+                                            </p:txEl>
+                                          </p:spTgt>
+                                        </p:tgtEl>
+                                        <p:attrNameLst>
+                                          <p:attrName>style.visibility</p:attrName>
+                                        </p:attrNameLst>
+                                      </p:cBhvr>
+                                      <p:to>
+                                        <p:strVal val="visible"/>
+                                      </p:to>
+                                    </p:set>
+                                  </p:childTnLst>
+                                </p:cTn>
+                              </p:par>
+                              <p:par>
+                                <p:cTn id="45" presetID="1" presetClass="exit" presetSubtype="0" fill="hold" nodeType="withEffect">
+                                  <p:stCondLst>
+                                    <p:cond delay="0"/>
+                                  </p:stCondLst>
+                                  <p:childTnLst>
+                                    <p:set>
+                                      <p:cBhvr>
+                                        <p:cTn id="46" dur="1" fill="hold">
+                                          <p:stCondLst>
+                                            <p:cond delay="0"/>
+                                          </p:stCondLst>
+                                        </p:cTn>
+                                        <p:tgtEl>
+                                          <p:spTgt spid="20"/>
+                                        </p:tgtEl>
+                                        <p:attrNameLst>
+                                          <p:attrName>style.visibility</p:attrName>
+                                        </p:attrNameLst>
+                                      </p:cBhvr>
+                                      <p:to>
+                                        <p:strVal val="hidden"/>
+                                      </p:to>
+                                    </p:set>
+                                  </p:childTnLst>
+                                </p:cTn>
+                              </p:par>
+                              <p:par>
+                                <p:cTn id="47" presetID="1" presetClass="entr" presetSubtype="0" fill="hold" nodeType="withEffect">
+                                  <p:stCondLst>
+                                    <p:cond delay="0"/>
+                                  </p:stCondLst>
+                                  <p:childTnLst>
+                                    <p:set>
+                                      <p:cBhvr>
+                                        <p:cTn id="48" dur="1" fill="hold">
+                                          <p:stCondLst>
+                                            <p:cond delay="0"/>
+                                          </p:stCondLst>
+                                        </p:cTn>
+                                        <p:tgtEl>
+                                          <p:spTgt spid="22"/>
+                                        </p:tgtEl>
+                                        <p:attrNameLst>
+                                          <p:attrName>style.visibility</p:attrName>
+                                        </p:attrNameLst>
+                                      </p:cBhvr>
+                                      <p:to>
+                                        <p:strVal val="visible"/>
+                                      </p:to>
+                                    </p:set>
+                                  </p:childTnLst>
+                                </p:cTn>
+                              </p:par>
+                            </p:childTnLst>
+                          </p:cTn>
+                        </p:par>
+                      </p:childTnLst>
+                    </p:cTn>
+                  </p:par>
+                </p:childTnLst>
+              </p:cTn>
+              <p:prevCondLst>
+                <p:cond evt="onPrev" delay="0">
+                  <p:tgtEl>
+                    <p:sldTgt/>
+                  </p:tgtEl>
+                </p:cond>
+              </p:prevCondLst>
+              <p:nextCondLst>
+                <p:cond evt="onNext" delay="0">
+                  <p:tgtEl>
+                    <p:sldTgt/>
+                  </p:tgtEl>
+                </p:cond>
+              </p:nextCondLst>
+            </p:seq>
+          </p:childTnLst>
+        </p:cTn>
+      </p:par>
+    </p:tnLst>
+  </p:timing>
 </p:sld>
 </file>
 
@@ -4627,12 +7363,12 @@
 </file>
 
 <file path=customXml/item1.xml><?xml version="1.0" encoding="utf-8"?>
-<?mso-contentType ?>
-<FormTemplates xmlns="http://schemas.microsoft.com/sharepoint/v3/contenttype/forms">
-  <Display>DocumentLibraryForm</Display>
-  <Edit>DocumentLibraryForm</Edit>
-  <New>DocumentLibraryForm</New>
-</FormTemplates>
+<p:properties xmlns:p="http://schemas.microsoft.com/office/2006/metadata/properties" xmlns:xsi="http://www.w3.org/2001/XMLSchema-instance" xmlns:pc="http://schemas.microsoft.com/office/infopath/2007/PartnerControls">
+  <documentManagement>
+    <Status xmlns="71af3243-3dd4-4a8d-8c0d-dd76da1f02a5">Not started</Status>
+    <MediaServiceKeyPoints xmlns="71af3243-3dd4-4a8d-8c0d-dd76da1f02a5" xsi:nil="true"/>
+  </documentManagement>
+</p:properties>
 </file>
 
 <file path=customXml/item2.xml><?xml version="1.0" encoding="utf-8"?>
@@ -4857,18 +7593,20 @@
 </file>
 
 <file path=customXml/item3.xml><?xml version="1.0" encoding="utf-8"?>
-<p:properties xmlns:p="http://schemas.microsoft.com/office/2006/metadata/properties" xmlns:xsi="http://www.w3.org/2001/XMLSchema-instance" xmlns:pc="http://schemas.microsoft.com/office/infopath/2007/PartnerControls">
-  <documentManagement>
-    <Status xmlns="71af3243-3dd4-4a8d-8c0d-dd76da1f02a5">Not started</Status>
-    <MediaServiceKeyPoints xmlns="71af3243-3dd4-4a8d-8c0d-dd76da1f02a5" xsi:nil="true"/>
-  </documentManagement>
-</p:properties>
+<?mso-contentType ?>
+<FormTemplates xmlns="http://schemas.microsoft.com/sharepoint/v3/contenttype/forms">
+  <Display>DocumentLibraryForm</Display>
+  <Edit>DocumentLibraryForm</Edit>
+  <New>DocumentLibraryForm</New>
+</FormTemplates>
 </file>
 
 <file path=customXml/itemProps1.xml><?xml version="1.0" encoding="utf-8"?>
-<ds:datastoreItem xmlns:ds="http://schemas.openxmlformats.org/officeDocument/2006/customXml" ds:itemID="{CDB58277-F8DF-46FF-84EC-EF41B835E69F}">
+<ds:datastoreItem xmlns:ds="http://schemas.openxmlformats.org/officeDocument/2006/customXml" ds:itemID="{137651BA-F45C-4845-9AB3-E0A65B39F5E1}">
   <ds:schemaRefs>
-    <ds:schemaRef ds:uri="http://schemas.microsoft.com/sharepoint/v3/contenttype/forms"/>
+    <ds:schemaRef ds:uri="http://schemas.microsoft.com/office/2006/metadata/properties"/>
+    <ds:schemaRef ds:uri="http://schemas.microsoft.com/office/infopath/2007/PartnerControls"/>
+    <ds:schemaRef ds:uri="71af3243-3dd4-4a8d-8c0d-dd76da1f02a5"/>
   </ds:schemaRefs>
 </ds:datastoreItem>
 </file>
@@ -4893,11 +7631,9 @@
 </file>
 
 <file path=customXml/itemProps3.xml><?xml version="1.0" encoding="utf-8"?>
-<ds:datastoreItem xmlns:ds="http://schemas.openxmlformats.org/officeDocument/2006/customXml" ds:itemID="{137651BA-F45C-4845-9AB3-E0A65B39F5E1}">
+<ds:datastoreItem xmlns:ds="http://schemas.openxmlformats.org/officeDocument/2006/customXml" ds:itemID="{CDB58277-F8DF-46FF-84EC-EF41B835E69F}">
   <ds:schemaRefs>
-    <ds:schemaRef ds:uri="http://schemas.microsoft.com/office/2006/metadata/properties"/>
-    <ds:schemaRef ds:uri="http://schemas.microsoft.com/office/infopath/2007/PartnerControls"/>
-    <ds:schemaRef ds:uri="71af3243-3dd4-4a8d-8c0d-dd76da1f02a5"/>
+    <ds:schemaRef ds:uri="http://schemas.microsoft.com/sharepoint/v3/contenttype/forms"/>
   </ds:schemaRefs>
 </ds:datastoreItem>
 </file>
--- a/docs/Winter/TechTalkPresentation2.pptx
+++ b/docs/Winter/TechTalkPresentation2.pptx
@@ -4875,13 +4875,6 @@
               <a:t>Storage</a:t>
             </a:r>
           </a:p>
-          <a:p>
-            <a:pPr lvl="1"/>
-            <a:r>
-              <a:rPr lang="en-US" sz="1600" dirty="0"/>
-              <a:t>Predictions</a:t>
-            </a:r>
-          </a:p>
         </p:txBody>
       </p:sp>
       <p:pic>
@@ -5130,36 +5123,6 @@
           </a:prstGeom>
         </p:spPr>
       </p:pic>
-      <p:pic>
-        <p:nvPicPr>
-          <p:cNvPr id="22" name="Picture 21">
-            <a:extLst>
-              <a:ext uri="{FF2B5EF4-FFF2-40B4-BE49-F238E27FC236}">
-                <a16:creationId xmlns:a16="http://schemas.microsoft.com/office/drawing/2014/main" id="{D37B91A6-9937-4823-8994-3A546780278B}"/>
-              </a:ext>
-            </a:extLst>
-          </p:cNvPr>
-          <p:cNvPicPr>
-            <a:picLocks noChangeAspect="1"/>
-          </p:cNvPicPr>
-          <p:nvPr/>
-        </p:nvPicPr>
-        <p:blipFill>
-          <a:blip r:embed="rId11"/>
-          <a:stretch>
-            <a:fillRect/>
-          </a:stretch>
-        </p:blipFill>
-        <p:spPr>
-          <a:xfrm>
-            <a:off x="4304917" y="2200061"/>
-            <a:ext cx="5407764" cy="2029108"/>
-          </a:xfrm>
-          <a:prstGeom prst="rect">
-            <a:avLst/>
-          </a:prstGeom>
-        </p:spPr>
-      </p:pic>
     </p:spTree>
     <p:extLst>
       <p:ext uri="{BB962C8B-B14F-4D97-AF65-F5344CB8AC3E}">
@@ -5221,33 +5184,15 @@
                                   </p:childTnLst>
                                 </p:cTn>
                               </p:par>
-                            </p:childTnLst>
-                          </p:cTn>
-                        </p:par>
-                      </p:childTnLst>
-                    </p:cTn>
-                  </p:par>
-                  <p:par>
-                    <p:cTn id="7" fill="hold">
-                      <p:stCondLst>
-                        <p:cond delay="indefinite"/>
-                      </p:stCondLst>
-                      <p:childTnLst>
-                        <p:par>
-                          <p:cTn id="8" fill="hold">
-                            <p:stCondLst>
-                              <p:cond delay="0"/>
-                            </p:stCondLst>
-                            <p:childTnLst>
                               <p:par>
-                                <p:cTn id="9" presetID="1" presetClass="entr" presetSubtype="0" fill="hold" nodeType="clickEffect">
+                                <p:cTn id="7" presetID="1" presetClass="entr" presetSubtype="0" fill="hold" nodeType="withEffect">
                                   <p:stCondLst>
                                     <p:cond delay="0"/>
                                   </p:stCondLst>
                                   <p:childTnLst>
                                     <p:set>
                                       <p:cBhvr>
-                                        <p:cTn id="10" dur="1" fill="hold">
+                                        <p:cTn id="8" dur="1" fill="hold">
                                           <p:stCondLst>
                                             <p:cond delay="0"/>
                                           </p:stCondLst>
@@ -5271,14 +5216,14 @@
                                 </p:cTn>
                               </p:par>
                               <p:par>
-                                <p:cTn id="11" presetID="1" presetClass="entr" presetSubtype="0" fill="hold" nodeType="withEffect">
+                                <p:cTn id="9" presetID="1" presetClass="entr" presetSubtype="0" fill="hold" nodeType="withEffect">
                                   <p:stCondLst>
                                     <p:cond delay="0"/>
                                   </p:stCondLst>
                                   <p:childTnLst>
                                     <p:set>
                                       <p:cBhvr>
-                                        <p:cTn id="12" dur="1" fill="hold">
+                                        <p:cTn id="10" dur="1" fill="hold">
                                           <p:stCondLst>
                                             <p:cond delay="0"/>
                                           </p:stCondLst>
@@ -5304,26 +5249,26 @@
                     </p:cTn>
                   </p:par>
                   <p:par>
-                    <p:cTn id="13" fill="hold">
+                    <p:cTn id="11" fill="hold">
                       <p:stCondLst>
                         <p:cond delay="indefinite"/>
                       </p:stCondLst>
                       <p:childTnLst>
                         <p:par>
-                          <p:cTn id="14" fill="hold">
+                          <p:cTn id="12" fill="hold">
                             <p:stCondLst>
                               <p:cond delay="0"/>
                             </p:stCondLst>
                             <p:childTnLst>
                               <p:par>
-                                <p:cTn id="15" presetID="1" presetClass="entr" presetSubtype="0" fill="hold" nodeType="clickEffect">
+                                <p:cTn id="13" presetID="1" presetClass="entr" presetSubtype="0" fill="hold" nodeType="clickEffect">
                                   <p:stCondLst>
                                     <p:cond delay="0"/>
                                   </p:stCondLst>
                                   <p:childTnLst>
                                     <p:set>
                                       <p:cBhvr>
-                                        <p:cTn id="16" dur="1" fill="hold">
+                                        <p:cTn id="14" dur="1" fill="hold">
                                           <p:stCondLst>
                                             <p:cond delay="0"/>
                                           </p:stCondLst>
@@ -5347,14 +5292,14 @@
                                 </p:cTn>
                               </p:par>
                               <p:par>
-                                <p:cTn id="17" presetID="1" presetClass="exit" presetSubtype="0" fill="hold" nodeType="withEffect">
+                                <p:cTn id="15" presetID="1" presetClass="exit" presetSubtype="0" fill="hold" nodeType="withEffect">
                                   <p:stCondLst>
                                     <p:cond delay="0"/>
                                   </p:stCondLst>
                                   <p:childTnLst>
                                     <p:set>
                                       <p:cBhvr>
-                                        <p:cTn id="18" dur="1" fill="hold">
+                                        <p:cTn id="16" dur="1" fill="hold">
                                           <p:stCondLst>
                                             <p:cond delay="0"/>
                                           </p:stCondLst>
@@ -5374,14 +5319,14 @@
                                 </p:cTn>
                               </p:par>
                               <p:par>
-                                <p:cTn id="19" presetID="1" presetClass="entr" presetSubtype="0" fill="hold" nodeType="withEffect">
+                                <p:cTn id="17" presetID="1" presetClass="entr" presetSubtype="0" fill="hold" nodeType="withEffect">
                                   <p:stCondLst>
                                     <p:cond delay="0"/>
                                   </p:stCondLst>
                                   <p:childTnLst>
                                     <p:set>
                                       <p:cBhvr>
-                                        <p:cTn id="20" dur="1" fill="hold">
+                                        <p:cTn id="18" dur="1" fill="hold">
                                           <p:stCondLst>
                                             <p:cond delay="0"/>
                                           </p:stCondLst>
@@ -5407,26 +5352,26 @@
                     </p:cTn>
                   </p:par>
                   <p:par>
-                    <p:cTn id="21" fill="hold">
+                    <p:cTn id="19" fill="hold">
                       <p:stCondLst>
                         <p:cond delay="indefinite"/>
                       </p:stCondLst>
                       <p:childTnLst>
                         <p:par>
-                          <p:cTn id="22" fill="hold">
+                          <p:cTn id="20" fill="hold">
                             <p:stCondLst>
                               <p:cond delay="0"/>
                             </p:stCondLst>
                             <p:childTnLst>
                               <p:par>
-                                <p:cTn id="23" presetID="1" presetClass="entr" presetSubtype="0" fill="hold" nodeType="clickEffect">
+                                <p:cTn id="21" presetID="1" presetClass="entr" presetSubtype="0" fill="hold" nodeType="clickEffect">
                                   <p:stCondLst>
                                     <p:cond delay="0"/>
                                   </p:stCondLst>
                                   <p:childTnLst>
                                     <p:set>
                                       <p:cBhvr>
-                                        <p:cTn id="24" dur="1" fill="hold">
+                                        <p:cTn id="22" dur="1" fill="hold">
                                           <p:stCondLst>
                                             <p:cond delay="0"/>
                                           </p:stCondLst>
@@ -5456,26 +5401,26 @@
                     </p:cTn>
                   </p:par>
                   <p:par>
-                    <p:cTn id="25" fill="hold">
+                    <p:cTn id="23" fill="hold">
                       <p:stCondLst>
                         <p:cond delay="indefinite"/>
                       </p:stCondLst>
                       <p:childTnLst>
                         <p:par>
-                          <p:cTn id="26" fill="hold">
+                          <p:cTn id="24" fill="hold">
                             <p:stCondLst>
                               <p:cond delay="0"/>
                             </p:stCondLst>
                             <p:childTnLst>
                               <p:par>
-                                <p:cTn id="27" presetID="1" presetClass="entr" presetSubtype="0" fill="hold" nodeType="clickEffect">
+                                <p:cTn id="25" presetID="1" presetClass="entr" presetSubtype="0" fill="hold" nodeType="clickEffect">
                                   <p:stCondLst>
                                     <p:cond delay="0"/>
                                   </p:stCondLst>
                                   <p:childTnLst>
                                     <p:set>
                                       <p:cBhvr>
-                                        <p:cTn id="28" dur="1" fill="hold">
+                                        <p:cTn id="26" dur="1" fill="hold">
                                           <p:stCondLst>
                                             <p:cond delay="0"/>
                                           </p:stCondLst>
@@ -5499,14 +5444,14 @@
                                 </p:cTn>
                               </p:par>
                               <p:par>
-                                <p:cTn id="29" presetID="1" presetClass="exit" presetSubtype="0" fill="hold" nodeType="withEffect">
+                                <p:cTn id="27" presetID="1" presetClass="exit" presetSubtype="0" fill="hold" nodeType="withEffect">
                                   <p:stCondLst>
                                     <p:cond delay="0"/>
                                   </p:stCondLst>
                                   <p:childTnLst>
                                     <p:set>
                                       <p:cBhvr>
-                                        <p:cTn id="30" dur="1" fill="hold">
+                                        <p:cTn id="28" dur="1" fill="hold">
                                           <p:stCondLst>
                                             <p:cond delay="0"/>
                                           </p:stCondLst>
@@ -5526,14 +5471,14 @@
                                 </p:cTn>
                               </p:par>
                               <p:par>
-                                <p:cTn id="31" presetID="1" presetClass="entr" presetSubtype="0" fill="hold" nodeType="withEffect">
+                                <p:cTn id="29" presetID="1" presetClass="entr" presetSubtype="0" fill="hold" nodeType="withEffect">
                                   <p:stCondLst>
                                     <p:cond delay="0"/>
                                   </p:stCondLst>
                                   <p:childTnLst>
                                     <p:set>
                                       <p:cBhvr>
-                                        <p:cTn id="32" dur="1" fill="hold">
+                                        <p:cTn id="30" dur="1" fill="hold">
                                           <p:stCondLst>
                                             <p:cond delay="0"/>
                                           </p:stCondLst>
@@ -5559,26 +5504,26 @@
                     </p:cTn>
                   </p:par>
                   <p:par>
-                    <p:cTn id="33" fill="hold">
+                    <p:cTn id="31" fill="hold">
                       <p:stCondLst>
                         <p:cond delay="indefinite"/>
                       </p:stCondLst>
                       <p:childTnLst>
                         <p:par>
-                          <p:cTn id="34" fill="hold">
+                          <p:cTn id="32" fill="hold">
                             <p:stCondLst>
                               <p:cond delay="0"/>
                             </p:stCondLst>
                             <p:childTnLst>
                               <p:par>
-                                <p:cTn id="35" presetID="1" presetClass="entr" presetSubtype="0" fill="hold" nodeType="clickEffect">
+                                <p:cTn id="33" presetID="1" presetClass="entr" presetSubtype="0" fill="hold" nodeType="clickEffect">
                                   <p:stCondLst>
                                     <p:cond delay="0"/>
                                   </p:stCondLst>
                                   <p:childTnLst>
                                     <p:set>
                                       <p:cBhvr>
-                                        <p:cTn id="36" dur="1" fill="hold">
+                                        <p:cTn id="34" dur="1" fill="hold">
                                           <p:stCondLst>
                                             <p:cond delay="0"/>
                                           </p:stCondLst>
@@ -5601,33 +5546,15 @@
                                   </p:childTnLst>
                                 </p:cTn>
                               </p:par>
-                            </p:childTnLst>
-                          </p:cTn>
-                        </p:par>
-                      </p:childTnLst>
-                    </p:cTn>
-                  </p:par>
-                  <p:par>
-                    <p:cTn id="37" fill="hold">
-                      <p:stCondLst>
-                        <p:cond delay="indefinite"/>
-                      </p:stCondLst>
-                      <p:childTnLst>
-                        <p:par>
-                          <p:cTn id="38" fill="hold">
-                            <p:stCondLst>
-                              <p:cond delay="0"/>
-                            </p:stCondLst>
-                            <p:childTnLst>
                               <p:par>
-                                <p:cTn id="39" presetID="1" presetClass="entr" presetSubtype="0" fill="hold" nodeType="clickEffect">
+                                <p:cTn id="35" presetID="1" presetClass="entr" presetSubtype="0" fill="hold" nodeType="withEffect">
                                   <p:stCondLst>
                                     <p:cond delay="0"/>
                                   </p:stCondLst>
                                   <p:childTnLst>
                                     <p:set>
                                       <p:cBhvr>
-                                        <p:cTn id="40" dur="1" fill="hold">
+                                        <p:cTn id="36" dur="1" fill="hold">
                                           <p:stCondLst>
                                             <p:cond delay="0"/>
                                           </p:stCondLst>
@@ -5651,14 +5578,14 @@
                                 </p:cTn>
                               </p:par>
                               <p:par>
-                                <p:cTn id="41" presetID="1" presetClass="exit" presetSubtype="0" fill="hold" nodeType="withEffect">
+                                <p:cTn id="37" presetID="1" presetClass="exit" presetSubtype="0" fill="hold" nodeType="withEffect">
                                   <p:stCondLst>
                                     <p:cond delay="0"/>
                                   </p:stCondLst>
                                   <p:childTnLst>
                                     <p:set>
                                       <p:cBhvr>
-                                        <p:cTn id="42" dur="1" fill="hold">
+                                        <p:cTn id="38" dur="1" fill="hold">
                                           <p:stCondLst>
                                             <p:cond delay="0"/>
                                           </p:stCondLst>
@@ -5678,14 +5605,14 @@
                                 </p:cTn>
                               </p:par>
                               <p:par>
-                                <p:cTn id="43" presetID="1" presetClass="entr" presetSubtype="0" fill="hold" nodeType="withEffect">
+                                <p:cTn id="39" presetID="1" presetClass="entr" presetSubtype="0" fill="hold" nodeType="withEffect">
                                   <p:stCondLst>
                                     <p:cond delay="0"/>
                                   </p:stCondLst>
                                   <p:childTnLst>
                                     <p:set>
                                       <p:cBhvr>
-                                        <p:cTn id="44" dur="1" fill="hold">
+                                        <p:cTn id="40" dur="1" fill="hold">
                                           <p:stCondLst>
                                             <p:cond delay="0"/>
                                           </p:stCondLst>
@@ -5711,26 +5638,26 @@
                     </p:cTn>
                   </p:par>
                   <p:par>
-                    <p:cTn id="45" fill="hold">
+                    <p:cTn id="41" fill="hold">
                       <p:stCondLst>
                         <p:cond delay="indefinite"/>
                       </p:stCondLst>
                       <p:childTnLst>
                         <p:par>
-                          <p:cTn id="46" fill="hold">
+                          <p:cTn id="42" fill="hold">
                             <p:stCondLst>
                               <p:cond delay="0"/>
                             </p:stCondLst>
                             <p:childTnLst>
                               <p:par>
-                                <p:cTn id="47" presetID="1" presetClass="entr" presetSubtype="0" fill="hold" nodeType="clickEffect">
+                                <p:cTn id="43" presetID="1" presetClass="entr" presetSubtype="0" fill="hold" nodeType="clickEffect">
                                   <p:stCondLst>
                                     <p:cond delay="0"/>
                                   </p:stCondLst>
                                   <p:childTnLst>
                                     <p:set>
                                       <p:cBhvr>
-                                        <p:cTn id="48" dur="1" fill="hold">
+                                        <p:cTn id="44" dur="1" fill="hold">
                                           <p:stCondLst>
                                             <p:cond delay="0"/>
                                           </p:stCondLst>
@@ -5754,14 +5681,14 @@
                                 </p:cTn>
                               </p:par>
                               <p:par>
-                                <p:cTn id="49" presetID="1" presetClass="exit" presetSubtype="0" fill="hold" nodeType="withEffect">
+                                <p:cTn id="45" presetID="1" presetClass="exit" presetSubtype="0" fill="hold" nodeType="withEffect">
                                   <p:stCondLst>
                                     <p:cond delay="0"/>
                                   </p:stCondLst>
                                   <p:childTnLst>
                                     <p:set>
                                       <p:cBhvr>
-                                        <p:cTn id="50" dur="1" fill="hold">
+                                        <p:cTn id="46" dur="1" fill="hold">
                                           <p:stCondLst>
                                             <p:cond delay="0"/>
                                           </p:stCondLst>
@@ -5781,14 +5708,14 @@
                                 </p:cTn>
                               </p:par>
                               <p:par>
-                                <p:cTn id="51" presetID="1" presetClass="entr" presetSubtype="0" fill="hold" nodeType="withEffect">
+                                <p:cTn id="47" presetID="1" presetClass="entr" presetSubtype="0" fill="hold" nodeType="withEffect">
                                   <p:stCondLst>
                                     <p:cond delay="0"/>
                                   </p:stCondLst>
                                   <p:childTnLst>
                                     <p:set>
                                       <p:cBhvr>
-                                        <p:cTn id="52" dur="1" fill="hold">
+                                        <p:cTn id="48" dur="1" fill="hold">
                                           <p:stCondLst>
                                             <p:cond delay="0"/>
                                           </p:stCondLst>
@@ -5808,14 +5735,14 @@
                                 </p:cTn>
                               </p:par>
                               <p:par>
-                                <p:cTn id="53" presetID="1" presetClass="entr" presetSubtype="0" fill="hold" nodeType="withEffect">
+                                <p:cTn id="49" presetID="1" presetClass="entr" presetSubtype="0" fill="hold" nodeType="withEffect">
                                   <p:stCondLst>
                                     <p:cond delay="0"/>
                                   </p:stCondLst>
                                   <p:childTnLst>
                                     <p:set>
                                       <p:cBhvr>
-                                        <p:cTn id="54" dur="1" fill="hold">
+                                        <p:cTn id="50" dur="1" fill="hold">
                                           <p:stCondLst>
                                             <p:cond delay="0"/>
                                           </p:stCondLst>
@@ -5841,26 +5768,26 @@
                     </p:cTn>
                   </p:par>
                   <p:par>
-                    <p:cTn id="55" fill="hold">
+                    <p:cTn id="51" fill="hold">
                       <p:stCondLst>
                         <p:cond delay="indefinite"/>
                       </p:stCondLst>
                       <p:childTnLst>
                         <p:par>
-                          <p:cTn id="56" fill="hold">
+                          <p:cTn id="52" fill="hold">
                             <p:stCondLst>
                               <p:cond delay="0"/>
                             </p:stCondLst>
                             <p:childTnLst>
                               <p:par>
-                                <p:cTn id="57" presetID="1" presetClass="entr" presetSubtype="0" fill="hold" nodeType="clickEffect">
+                                <p:cTn id="53" presetID="1" presetClass="entr" presetSubtype="0" fill="hold" nodeType="clickEffect">
                                   <p:stCondLst>
                                     <p:cond delay="0"/>
                                   </p:stCondLst>
                                   <p:childTnLst>
                                     <p:set>
                                       <p:cBhvr>
-                                        <p:cTn id="58" dur="1" fill="hold">
+                                        <p:cTn id="54" dur="1" fill="hold">
                                           <p:stCondLst>
                                             <p:cond delay="0"/>
                                           </p:stCondLst>
@@ -5884,14 +5811,14 @@
                                 </p:cTn>
                               </p:par>
                               <p:par>
-                                <p:cTn id="59" presetID="1" presetClass="exit" presetSubtype="0" fill="hold" nodeType="withEffect">
+                                <p:cTn id="55" presetID="1" presetClass="exit" presetSubtype="0" fill="hold" nodeType="withEffect">
                                   <p:stCondLst>
                                     <p:cond delay="0"/>
                                   </p:stCondLst>
                                   <p:childTnLst>
                                     <p:set>
                                       <p:cBhvr>
-                                        <p:cTn id="60" dur="1" fill="hold">
+                                        <p:cTn id="56" dur="1" fill="hold">
                                           <p:stCondLst>
                                             <p:cond delay="0"/>
                                           </p:stCondLst>
@@ -5911,14 +5838,14 @@
                                 </p:cTn>
                               </p:par>
                               <p:par>
-                                <p:cTn id="61" presetID="1" presetClass="exit" presetSubtype="0" fill="hold" nodeType="withEffect">
+                                <p:cTn id="57" presetID="1" presetClass="exit" presetSubtype="0" fill="hold" nodeType="withEffect">
                                   <p:stCondLst>
                                     <p:cond delay="0"/>
                                   </p:stCondLst>
                                   <p:childTnLst>
                                     <p:set>
                                       <p:cBhvr>
-                                        <p:cTn id="62" dur="1" fill="hold">
+                                        <p:cTn id="58" dur="1" fill="hold">
                                           <p:stCondLst>
                                             <p:cond delay="0"/>
                                           </p:stCondLst>
@@ -5938,123 +5865,20 @@
                                 </p:cTn>
                               </p:par>
                               <p:par>
-                                <p:cTn id="63" presetID="1" presetClass="entr" presetSubtype="0" fill="hold" nodeType="withEffect">
+                                <p:cTn id="59" presetID="1" presetClass="entr" presetSubtype="0" fill="hold" nodeType="withEffect">
                                   <p:stCondLst>
                                     <p:cond delay="0"/>
                                   </p:stCondLst>
                                   <p:childTnLst>
                                     <p:set>
                                       <p:cBhvr>
-                                        <p:cTn id="64" dur="1" fill="hold">
+                                        <p:cTn id="60" dur="1" fill="hold">
                                           <p:stCondLst>
                                             <p:cond delay="0"/>
                                           </p:stCondLst>
                                         </p:cTn>
                                         <p:tgtEl>
                                           <p:spTgt spid="20"/>
-                                        </p:tgtEl>
-                                        <p:attrNameLst>
-                                          <p:attrName>style.visibility</p:attrName>
-                                        </p:attrNameLst>
-                                      </p:cBhvr>
-                                      <p:to>
-                                        <p:strVal val="visible"/>
-                                      </p:to>
-                                    </p:set>
-                                  </p:childTnLst>
-                                </p:cTn>
-                              </p:par>
-                            </p:childTnLst>
-                          </p:cTn>
-                        </p:par>
-                      </p:childTnLst>
-                    </p:cTn>
-                  </p:par>
-                  <p:par>
-                    <p:cTn id="65" fill="hold">
-                      <p:stCondLst>
-                        <p:cond delay="indefinite"/>
-                      </p:stCondLst>
-                      <p:childTnLst>
-                        <p:par>
-                          <p:cTn id="66" fill="hold">
-                            <p:stCondLst>
-                              <p:cond delay="0"/>
-                            </p:stCondLst>
-                            <p:childTnLst>
-                              <p:par>
-                                <p:cTn id="67" presetID="1" presetClass="entr" presetSubtype="0" fill="hold" nodeType="clickEffect">
-                                  <p:stCondLst>
-                                    <p:cond delay="0"/>
-                                  </p:stCondLst>
-                                  <p:childTnLst>
-                                    <p:set>
-                                      <p:cBhvr>
-                                        <p:cTn id="68" dur="1" fill="hold">
-                                          <p:stCondLst>
-                                            <p:cond delay="0"/>
-                                          </p:stCondLst>
-                                        </p:cTn>
-                                        <p:tgtEl>
-                                          <p:spTgt spid="9">
-                                            <p:txEl>
-                                              <p:pRg st="9" end="9"/>
-                                            </p:txEl>
-                                          </p:spTgt>
-                                        </p:tgtEl>
-                                        <p:attrNameLst>
-                                          <p:attrName>style.visibility</p:attrName>
-                                        </p:attrNameLst>
-                                      </p:cBhvr>
-                                      <p:to>
-                                        <p:strVal val="visible"/>
-                                      </p:to>
-                                    </p:set>
-                                  </p:childTnLst>
-                                </p:cTn>
-                              </p:par>
-                              <p:par>
-                                <p:cTn id="69" presetID="1" presetClass="exit" presetSubtype="0" fill="hold" nodeType="withEffect">
-                                  <p:stCondLst>
-                                    <p:cond delay="0"/>
-                                  </p:stCondLst>
-                                  <p:childTnLst>
-                                    <p:set>
-                                      <p:cBhvr>
-                                        <p:cTn id="70" dur="1" fill="hold">
-                                          <p:stCondLst>
-                                            <p:cond delay="0"/>
-                                          </p:stCondLst>
-                                        </p:cTn>
-                                        <p:tgtEl>
-                                          <p:spTgt spid="20"/>
-                                        </p:tgtEl>
-                                        <p:attrNameLst>
-                                          <p:attrName>style.visibility</p:attrName>
-                                        </p:attrNameLst>
-                                      </p:cBhvr>
-                                      <p:to>
-                                        <p:strVal val="hidden"/>
-                                      </p:to>
-                                    </p:set>
-                                  </p:childTnLst>
-                                </p:cTn>
-                              </p:par>
-                              <p:par>
-                                <p:cTn id="71" presetID="1" presetClass="entr" presetSubtype="0" fill="hold" nodeType="withEffect">
-                                  <p:stCondLst>
-                                    <p:cond delay="0"/>
-                                  </p:stCondLst>
-                                  <p:childTnLst>
-                                    <p:set>
-                                      <p:cBhvr>
-                                        <p:cTn id="72" dur="1" fill="hold">
-                                          <p:stCondLst>
-                                            <p:cond delay="0"/>
-                                          </p:stCondLst>
-                                        </p:cTn>
-                                        <p:tgtEl>
-                                          <p:spTgt spid="22"/>
                                         </p:tgtEl>
                                         <p:attrNameLst>
                                           <p:attrName>style.visibility</p:attrName>
@@ -6217,12 +6041,6 @@
               <a:t>AmplifyForgotPassword</a:t>
             </a:r>
             <a:endParaRPr lang="en-US" sz="1600" dirty="0"/>
-          </a:p>
-          <a:p>
-            <a:r>
-              <a:rPr lang="en-US" sz="1600" dirty="0"/>
-              <a:t>Chatbot</a:t>
-            </a:r>
           </a:p>
         </p:txBody>
       </p:sp>
@@ -6421,36 +6239,6 @@
           <a:xfrm>
             <a:off x="5790821" y="1764828"/>
             <a:ext cx="4790456" cy="3078980"/>
-          </a:xfrm>
-          <a:prstGeom prst="rect">
-            <a:avLst/>
-          </a:prstGeom>
-        </p:spPr>
-      </p:pic>
-      <p:pic>
-        <p:nvPicPr>
-          <p:cNvPr id="22" name="Picture 21" descr="Graphical user interface, text, application&#10;&#10;Description automatically generated">
-            <a:extLst>
-              <a:ext uri="{FF2B5EF4-FFF2-40B4-BE49-F238E27FC236}">
-                <a16:creationId xmlns:a16="http://schemas.microsoft.com/office/drawing/2014/main" id="{CCB8F4A6-C6F9-44CB-93D0-14640623929A}"/>
-              </a:ext>
-            </a:extLst>
-          </p:cNvPr>
-          <p:cNvPicPr>
-            <a:picLocks noChangeAspect="1"/>
-          </p:cNvPicPr>
-          <p:nvPr/>
-        </p:nvPicPr>
-        <p:blipFill>
-          <a:blip r:embed="rId8"/>
-          <a:stretch>
-            <a:fillRect/>
-          </a:stretch>
-        </p:blipFill>
-        <p:spPr>
-          <a:xfrm>
-            <a:off x="5790821" y="1764826"/>
-            <a:ext cx="3430151" cy="4458236"/>
           </a:xfrm>
           <a:prstGeom prst="rect">
             <a:avLst/>
@@ -6670,33 +6458,15 @@
                                   </p:childTnLst>
                                 </p:cTn>
                               </p:par>
-                            </p:childTnLst>
-                          </p:cTn>
-                        </p:par>
-                      </p:childTnLst>
-                    </p:cTn>
-                  </p:par>
-                  <p:par>
-                    <p:cTn id="19" fill="hold">
-                      <p:stCondLst>
-                        <p:cond delay="indefinite"/>
-                      </p:stCondLst>
-                      <p:childTnLst>
-                        <p:par>
-                          <p:cTn id="20" fill="hold">
-                            <p:stCondLst>
-                              <p:cond delay="0"/>
-                            </p:stCondLst>
-                            <p:childTnLst>
                               <p:par>
-                                <p:cTn id="21" presetID="1" presetClass="entr" presetSubtype="0" fill="hold" nodeType="clickEffect">
+                                <p:cTn id="19" presetID="1" presetClass="entr" presetSubtype="0" fill="hold" nodeType="withEffect">
                                   <p:stCondLst>
                                     <p:cond delay="0"/>
                                   </p:stCondLst>
                                   <p:childTnLst>
                                     <p:set>
                                       <p:cBhvr>
-                                        <p:cTn id="22" dur="1" fill="hold">
+                                        <p:cTn id="20" dur="1" fill="hold">
                                           <p:stCondLst>
                                             <p:cond delay="0"/>
                                           </p:stCondLst>
@@ -6720,14 +6490,14 @@
                                 </p:cTn>
                               </p:par>
                               <p:par>
-                                <p:cTn id="23" presetID="1" presetClass="entr" presetSubtype="0" fill="hold" nodeType="withEffect">
+                                <p:cTn id="21" presetID="1" presetClass="entr" presetSubtype="0" fill="hold" nodeType="withEffect">
                                   <p:stCondLst>
                                     <p:cond delay="0"/>
                                   </p:stCondLst>
                                   <p:childTnLst>
                                     <p:set>
                                       <p:cBhvr>
-                                        <p:cTn id="24" dur="1" fill="hold">
+                                        <p:cTn id="22" dur="1" fill="hold">
                                           <p:stCondLst>
                                             <p:cond delay="0"/>
                                           </p:stCondLst>
@@ -6753,26 +6523,26 @@
                     </p:cTn>
                   </p:par>
                   <p:par>
-                    <p:cTn id="25" fill="hold">
+                    <p:cTn id="23" fill="hold">
                       <p:stCondLst>
                         <p:cond delay="indefinite"/>
                       </p:stCondLst>
                       <p:childTnLst>
                         <p:par>
-                          <p:cTn id="26" fill="hold">
+                          <p:cTn id="24" fill="hold">
                             <p:stCondLst>
                               <p:cond delay="0"/>
                             </p:stCondLst>
                             <p:childTnLst>
                               <p:par>
-                                <p:cTn id="27" presetID="1" presetClass="entr" presetSubtype="0" fill="hold" nodeType="clickEffect">
+                                <p:cTn id="25" presetID="1" presetClass="entr" presetSubtype="0" fill="hold" nodeType="clickEffect">
                                   <p:stCondLst>
                                     <p:cond delay="0"/>
                                   </p:stCondLst>
                                   <p:childTnLst>
                                     <p:set>
                                       <p:cBhvr>
-                                        <p:cTn id="28" dur="1" fill="hold">
+                                        <p:cTn id="26" dur="1" fill="hold">
                                           <p:stCondLst>
                                             <p:cond delay="0"/>
                                           </p:stCondLst>
@@ -6796,14 +6566,14 @@
                                 </p:cTn>
                               </p:par>
                               <p:par>
-                                <p:cTn id="29" presetID="1" presetClass="exit" presetSubtype="0" fill="hold" nodeType="withEffect">
+                                <p:cTn id="27" presetID="1" presetClass="exit" presetSubtype="0" fill="hold" nodeType="withEffect">
                                   <p:stCondLst>
                                     <p:cond delay="0"/>
                                   </p:stCondLst>
                                   <p:childTnLst>
                                     <p:set>
                                       <p:cBhvr>
-                                        <p:cTn id="30" dur="1" fill="hold">
+                                        <p:cTn id="28" dur="1" fill="hold">
                                           <p:stCondLst>
                                             <p:cond delay="0"/>
                                           </p:stCondLst>
@@ -6823,14 +6593,14 @@
                                 </p:cTn>
                               </p:par>
                               <p:par>
-                                <p:cTn id="31" presetID="1" presetClass="entr" presetSubtype="0" fill="hold" nodeType="withEffect">
+                                <p:cTn id="29" presetID="1" presetClass="entr" presetSubtype="0" fill="hold" nodeType="withEffect">
                                   <p:stCondLst>
                                     <p:cond delay="0"/>
                                   </p:stCondLst>
                                   <p:childTnLst>
                                     <p:set>
                                       <p:cBhvr>
-                                        <p:cTn id="32" dur="1" fill="hold">
+                                        <p:cTn id="30" dur="1" fill="hold">
                                           <p:stCondLst>
                                             <p:cond delay="0"/>
                                           </p:stCondLst>
@@ -6856,26 +6626,26 @@
                     </p:cTn>
                   </p:par>
                   <p:par>
-                    <p:cTn id="33" fill="hold">
+                    <p:cTn id="31" fill="hold">
                       <p:stCondLst>
                         <p:cond delay="indefinite"/>
                       </p:stCondLst>
                       <p:childTnLst>
                         <p:par>
-                          <p:cTn id="34" fill="hold">
+                          <p:cTn id="32" fill="hold">
                             <p:stCondLst>
                               <p:cond delay="0"/>
                             </p:stCondLst>
                             <p:childTnLst>
                               <p:par>
-                                <p:cTn id="35" presetID="1" presetClass="entr" presetSubtype="0" fill="hold" nodeType="clickEffect">
+                                <p:cTn id="33" presetID="1" presetClass="entr" presetSubtype="0" fill="hold" nodeType="clickEffect">
                                   <p:stCondLst>
                                     <p:cond delay="0"/>
                                   </p:stCondLst>
                                   <p:childTnLst>
                                     <p:set>
                                       <p:cBhvr>
-                                        <p:cTn id="36" dur="1" fill="hold">
+                                        <p:cTn id="34" dur="1" fill="hold">
                                           <p:stCondLst>
                                             <p:cond delay="0"/>
                                           </p:stCondLst>
@@ -6899,14 +6669,14 @@
                                 </p:cTn>
                               </p:par>
                               <p:par>
-                                <p:cTn id="37" presetID="1" presetClass="exit" presetSubtype="0" fill="hold" nodeType="withEffect">
+                                <p:cTn id="35" presetID="1" presetClass="exit" presetSubtype="0" fill="hold" nodeType="withEffect">
                                   <p:stCondLst>
                                     <p:cond delay="0"/>
                                   </p:stCondLst>
                                   <p:childTnLst>
                                     <p:set>
                                       <p:cBhvr>
-                                        <p:cTn id="38" dur="1" fill="hold">
+                                        <p:cTn id="36" dur="1" fill="hold">
                                           <p:stCondLst>
                                             <p:cond delay="0"/>
                                           </p:stCondLst>
@@ -6926,123 +6696,20 @@
                                 </p:cTn>
                               </p:par>
                               <p:par>
-                                <p:cTn id="39" presetID="1" presetClass="entr" presetSubtype="0" fill="hold" nodeType="withEffect">
+                                <p:cTn id="37" presetID="1" presetClass="entr" presetSubtype="0" fill="hold" nodeType="withEffect">
                                   <p:stCondLst>
                                     <p:cond delay="0"/>
                                   </p:stCondLst>
                                   <p:childTnLst>
                                     <p:set>
                                       <p:cBhvr>
-                                        <p:cTn id="40" dur="1" fill="hold">
+                                        <p:cTn id="38" dur="1" fill="hold">
                                           <p:stCondLst>
                                             <p:cond delay="0"/>
                                           </p:stCondLst>
                                         </p:cTn>
                                         <p:tgtEl>
                                           <p:spTgt spid="20"/>
-                                        </p:tgtEl>
-                                        <p:attrNameLst>
-                                          <p:attrName>style.visibility</p:attrName>
-                                        </p:attrNameLst>
-                                      </p:cBhvr>
-                                      <p:to>
-                                        <p:strVal val="visible"/>
-                                      </p:to>
-                                    </p:set>
-                                  </p:childTnLst>
-                                </p:cTn>
-                              </p:par>
-                            </p:childTnLst>
-                          </p:cTn>
-                        </p:par>
-                      </p:childTnLst>
-                    </p:cTn>
-                  </p:par>
-                  <p:par>
-                    <p:cTn id="41" fill="hold">
-                      <p:stCondLst>
-                        <p:cond delay="indefinite"/>
-                      </p:stCondLst>
-                      <p:childTnLst>
-                        <p:par>
-                          <p:cTn id="42" fill="hold">
-                            <p:stCondLst>
-                              <p:cond delay="0"/>
-                            </p:stCondLst>
-                            <p:childTnLst>
-                              <p:par>
-                                <p:cTn id="43" presetID="1" presetClass="entr" presetSubtype="0" fill="hold" nodeType="clickEffect">
-                                  <p:stCondLst>
-                                    <p:cond delay="0"/>
-                                  </p:stCondLst>
-                                  <p:childTnLst>
-                                    <p:set>
-                                      <p:cBhvr>
-                                        <p:cTn id="44" dur="1" fill="hold">
-                                          <p:stCondLst>
-                                            <p:cond delay="0"/>
-                                          </p:stCondLst>
-                                        </p:cTn>
-                                        <p:tgtEl>
-                                          <p:spTgt spid="9">
-                                            <p:txEl>
-                                              <p:pRg st="6" end="6"/>
-                                            </p:txEl>
-                                          </p:spTgt>
-                                        </p:tgtEl>
-                                        <p:attrNameLst>
-                                          <p:attrName>style.visibility</p:attrName>
-                                        </p:attrNameLst>
-                                      </p:cBhvr>
-                                      <p:to>
-                                        <p:strVal val="visible"/>
-                                      </p:to>
-                                    </p:set>
-                                  </p:childTnLst>
-                                </p:cTn>
-                              </p:par>
-                              <p:par>
-                                <p:cTn id="45" presetID="1" presetClass="exit" presetSubtype="0" fill="hold" nodeType="withEffect">
-                                  <p:stCondLst>
-                                    <p:cond delay="0"/>
-                                  </p:stCondLst>
-                                  <p:childTnLst>
-                                    <p:set>
-                                      <p:cBhvr>
-                                        <p:cTn id="46" dur="1" fill="hold">
-                                          <p:stCondLst>
-                                            <p:cond delay="0"/>
-                                          </p:stCondLst>
-                                        </p:cTn>
-                                        <p:tgtEl>
-                                          <p:spTgt spid="20"/>
-                                        </p:tgtEl>
-                                        <p:attrNameLst>
-                                          <p:attrName>style.visibility</p:attrName>
-                                        </p:attrNameLst>
-                                      </p:cBhvr>
-                                      <p:to>
-                                        <p:strVal val="hidden"/>
-                                      </p:to>
-                                    </p:set>
-                                  </p:childTnLst>
-                                </p:cTn>
-                              </p:par>
-                              <p:par>
-                                <p:cTn id="47" presetID="1" presetClass="entr" presetSubtype="0" fill="hold" nodeType="withEffect">
-                                  <p:stCondLst>
-                                    <p:cond delay="0"/>
-                                  </p:stCondLst>
-                                  <p:childTnLst>
-                                    <p:set>
-                                      <p:cBhvr>
-                                        <p:cTn id="48" dur="1" fill="hold">
-                                          <p:stCondLst>
-                                            <p:cond delay="0"/>
-                                          </p:stCondLst>
-                                        </p:cTn>
-                                        <p:tgtEl>
-                                          <p:spTgt spid="22"/>
                                         </p:tgtEl>
                                         <p:attrNameLst>
                                           <p:attrName>style.visibility</p:attrName>
@@ -7363,12 +7030,12 @@
 </file>
 
 <file path=customXml/item1.xml><?xml version="1.0" encoding="utf-8"?>
-<p:properties xmlns:p="http://schemas.microsoft.com/office/2006/metadata/properties" xmlns:xsi="http://www.w3.org/2001/XMLSchema-instance" xmlns:pc="http://schemas.microsoft.com/office/infopath/2007/PartnerControls">
-  <documentManagement>
-    <Status xmlns="71af3243-3dd4-4a8d-8c0d-dd76da1f02a5">Not started</Status>
-    <MediaServiceKeyPoints xmlns="71af3243-3dd4-4a8d-8c0d-dd76da1f02a5" xsi:nil="true"/>
-  </documentManagement>
-</p:properties>
+<?mso-contentType ?>
+<FormTemplates xmlns="http://schemas.microsoft.com/sharepoint/v3/contenttype/forms">
+  <Display>DocumentLibraryForm</Display>
+  <Edit>DocumentLibraryForm</Edit>
+  <New>DocumentLibraryForm</New>
+</FormTemplates>
 </file>
 
 <file path=customXml/item2.xml><?xml version="1.0" encoding="utf-8"?>
@@ -7593,20 +7260,18 @@
 </file>
 
 <file path=customXml/item3.xml><?xml version="1.0" encoding="utf-8"?>
-<?mso-contentType ?>
-<FormTemplates xmlns="http://schemas.microsoft.com/sharepoint/v3/contenttype/forms">
-  <Display>DocumentLibraryForm</Display>
-  <Edit>DocumentLibraryForm</Edit>
-  <New>DocumentLibraryForm</New>
-</FormTemplates>
+<p:properties xmlns:p="http://schemas.microsoft.com/office/2006/metadata/properties" xmlns:xsi="http://www.w3.org/2001/XMLSchema-instance" xmlns:pc="http://schemas.microsoft.com/office/infopath/2007/PartnerControls">
+  <documentManagement>
+    <Status xmlns="71af3243-3dd4-4a8d-8c0d-dd76da1f02a5">Not started</Status>
+    <MediaServiceKeyPoints xmlns="71af3243-3dd4-4a8d-8c0d-dd76da1f02a5" xsi:nil="true"/>
+  </documentManagement>
+</p:properties>
 </file>
 
 <file path=customXml/itemProps1.xml><?xml version="1.0" encoding="utf-8"?>
-<ds:datastoreItem xmlns:ds="http://schemas.openxmlformats.org/officeDocument/2006/customXml" ds:itemID="{137651BA-F45C-4845-9AB3-E0A65B39F5E1}">
+<ds:datastoreItem xmlns:ds="http://schemas.openxmlformats.org/officeDocument/2006/customXml" ds:itemID="{CDB58277-F8DF-46FF-84EC-EF41B835E69F}">
   <ds:schemaRefs>
-    <ds:schemaRef ds:uri="http://schemas.microsoft.com/office/2006/metadata/properties"/>
-    <ds:schemaRef ds:uri="http://schemas.microsoft.com/office/infopath/2007/PartnerControls"/>
-    <ds:schemaRef ds:uri="71af3243-3dd4-4a8d-8c0d-dd76da1f02a5"/>
+    <ds:schemaRef ds:uri="http://schemas.microsoft.com/sharepoint/v3/contenttype/forms"/>
   </ds:schemaRefs>
 </ds:datastoreItem>
 </file>
@@ -7631,9 +7296,11 @@
 </file>
 
 <file path=customXml/itemProps3.xml><?xml version="1.0" encoding="utf-8"?>
-<ds:datastoreItem xmlns:ds="http://schemas.openxmlformats.org/officeDocument/2006/customXml" ds:itemID="{CDB58277-F8DF-46FF-84EC-EF41B835E69F}">
+<ds:datastoreItem xmlns:ds="http://schemas.openxmlformats.org/officeDocument/2006/customXml" ds:itemID="{137651BA-F45C-4845-9AB3-E0A65B39F5E1}">
   <ds:schemaRefs>
-    <ds:schemaRef ds:uri="http://schemas.microsoft.com/sharepoint/v3/contenttype/forms"/>
+    <ds:schemaRef ds:uri="http://schemas.microsoft.com/office/2006/metadata/properties"/>
+    <ds:schemaRef ds:uri="http://schemas.microsoft.com/office/infopath/2007/PartnerControls"/>
+    <ds:schemaRef ds:uri="71af3243-3dd4-4a8d-8c0d-dd76da1f02a5"/>
   </ds:schemaRefs>
 </ds:datastoreItem>
 </file>